--- a/Section 2 - Essential Knowledge/Essential Knowledge.pptx
+++ b/Section 2 - Essential Knowledge/Essential Knowledge.pptx
@@ -5,7 +5,7 @@
     <p:sldMasterId id="2147483648" r:id="rId1"/>
   </p:sldMasterIdLst>
   <p:notesMasterIdLst>
-    <p:notesMasterId r:id="rId15"/>
+    <p:notesMasterId r:id="rId16"/>
   </p:notesMasterIdLst>
   <p:sldIdLst>
     <p:sldId id="256" r:id="rId2"/>
@@ -21,6 +21,7 @@
     <p:sldId id="267" r:id="rId12"/>
     <p:sldId id="266" r:id="rId13"/>
     <p:sldId id="265" r:id="rId14"/>
+    <p:sldId id="271" r:id="rId15"/>
   </p:sldIdLst>
   <p:sldSz cx="12192000" cy="6858000"/>
   <p:notesSz cx="6858000" cy="9144000"/>
@@ -173,6 +174,7 @@
         <p14:section name="Bonus - Vector Files" id="{D0DC63DA-A8D9-463B-8619-CF43EBDFE952}">
           <p14:sldIdLst>
             <p14:sldId id="265"/>
+            <p14:sldId id="271"/>
           </p14:sldIdLst>
         </p14:section>
       </p14:sectionLst>
@@ -277,7 +279,7 @@
           <a:p>
             <a:fld id="{2D49267A-63D9-4DC6-A63F-21591474AE0B}" type="datetimeFigureOut">
               <a:rPr lang="pl-PL" smtClean="0"/>
-              <a:t>2022-09-22</a:t>
+              <a:t>2022-09-28</a:t>
             </a:fld>
             <a:endParaRPr lang="pl-PL"/>
           </a:p>
@@ -637,6 +639,260 @@
 </p:notes>
 </file>
 
+<file path=ppt/notesSlides/notesSlide10.xml><?xml version="1.0" encoding="utf-8"?>
+<p:notes xmlns:a="http://schemas.openxmlformats.org/drawingml/2006/main" xmlns:r="http://schemas.openxmlformats.org/officeDocument/2006/relationships" xmlns:p="http://schemas.openxmlformats.org/presentationml/2006/main">
+  <p:cSld>
+    <p:spTree>
+      <p:nvGrpSpPr>
+        <p:cNvPr id="1" name=""/>
+        <p:cNvGrpSpPr/>
+        <p:nvPr/>
+      </p:nvGrpSpPr>
+      <p:grpSpPr>
+        <a:xfrm>
+          <a:off x="0" y="0"/>
+          <a:ext cx="0" cy="0"/>
+          <a:chOff x="0" y="0"/>
+          <a:chExt cx="0" cy="0"/>
+        </a:xfrm>
+      </p:grpSpPr>
+      <p:sp>
+        <p:nvSpPr>
+          <p:cNvPr id="2" name="Slide Image Placeholder 1"/>
+          <p:cNvSpPr>
+            <a:spLocks noGrp="1" noRot="1" noChangeAspect="1"/>
+          </p:cNvSpPr>
+          <p:nvPr>
+            <p:ph type="sldImg"/>
+          </p:nvPr>
+        </p:nvSpPr>
+        <p:spPr/>
+      </p:sp>
+      <p:sp>
+        <p:nvSpPr>
+          <p:cNvPr id="3" name="Notes Placeholder 2"/>
+          <p:cNvSpPr>
+            <a:spLocks noGrp="1"/>
+          </p:cNvSpPr>
+          <p:nvPr>
+            <p:ph type="body" idx="1"/>
+          </p:nvPr>
+        </p:nvSpPr>
+        <p:spPr/>
+        <p:txBody>
+          <a:bodyPr/>
+          <a:lstStyle/>
+          <a:p>
+            <a:pPr marL="171450" indent="-171450">
+              <a:buFontTx/>
+              <a:buChar char="-"/>
+            </a:pPr>
+            <a:r>
+              <a:rPr lang="en-US" dirty="0" smtClean="0"/>
+              <a:t>Less</a:t>
+            </a:r>
+            <a:r>
+              <a:rPr lang="en-US" baseline="0" dirty="0" smtClean="0"/>
+              <a:t> in more – Càng ít thông tin càng tốt.</a:t>
+            </a:r>
+          </a:p>
+          <a:p>
+            <a:pPr marL="171450" indent="-171450">
+              <a:buFontTx/>
+              <a:buChar char="-"/>
+            </a:pPr>
+            <a:r>
+              <a:rPr lang="en-US" baseline="0" dirty="0" smtClean="0"/>
+              <a:t>Đôi khi slide chỉ có 1 vài từ, kết hợp với gradient và nó sẽ trở nên hoàn hảo</a:t>
+            </a:r>
+          </a:p>
+          <a:p>
+            <a:pPr marL="171450" indent="-171450">
+              <a:buFontTx/>
+              <a:buChar char="-"/>
+            </a:pPr>
+            <a:r>
+              <a:rPr lang="en-US" baseline="0" dirty="0" smtClean="0"/>
+              <a:t>Tuyệt kĩ dùng </a:t>
+            </a:r>
+            <a:r>
+              <a:rPr lang="en-US" sz="1200" b="0" i="0" kern="1200" dirty="0" smtClean="0">
+                <a:solidFill>
+                  <a:schemeClr val="tx1"/>
+                </a:solidFill>
+                <a:effectLst/>
+                <a:latin typeface="+mn-lt"/>
+                <a:ea typeface="+mn-ea"/>
+                <a:cs typeface="+mn-cs"/>
+              </a:rPr>
+              <a:t>Presenter View:</a:t>
+            </a:r>
+            <a:r>
+              <a:rPr lang="en-US" sz="1200" b="0" i="0" kern="1200" baseline="0" dirty="0" smtClean="0">
+                <a:solidFill>
+                  <a:schemeClr val="tx1"/>
+                </a:solidFill>
+                <a:effectLst/>
+                <a:latin typeface="+mn-lt"/>
+                <a:ea typeface="+mn-ea"/>
+                <a:cs typeface="+mn-cs"/>
+              </a:rPr>
+              <a:t> Slide show -&gt; Use Presenter view. Nhấn 3 chấm, chọn Presenter view</a:t>
+            </a:r>
+            <a:endParaRPr lang="en-US" sz="1200" b="0" i="0" kern="1200" dirty="0" smtClean="0">
+              <a:solidFill>
+                <a:schemeClr val="tx1"/>
+              </a:solidFill>
+              <a:effectLst/>
+              <a:latin typeface="+mn-lt"/>
+              <a:ea typeface="+mn-ea"/>
+              <a:cs typeface="+mn-cs"/>
+            </a:endParaRPr>
+          </a:p>
+        </p:txBody>
+      </p:sp>
+      <p:sp>
+        <p:nvSpPr>
+          <p:cNvPr id="4" name="Slide Number Placeholder 3"/>
+          <p:cNvSpPr>
+            <a:spLocks noGrp="1"/>
+          </p:cNvSpPr>
+          <p:nvPr>
+            <p:ph type="sldNum" sz="quarter" idx="5"/>
+          </p:nvPr>
+        </p:nvSpPr>
+        <p:spPr/>
+        <p:txBody>
+          <a:bodyPr/>
+          <a:lstStyle/>
+          <a:p>
+            <a:fld id="{E57C71C6-67B9-4226-B1D8-5D8F5F092147}" type="slidenum">
+              <a:rPr lang="pl-PL" smtClean="0"/>
+              <a:t>12</a:t>
+            </a:fld>
+            <a:endParaRPr lang="pl-PL"/>
+          </a:p>
+        </p:txBody>
+      </p:sp>
+    </p:spTree>
+    <p:extLst>
+      <p:ext uri="{BB962C8B-B14F-4D97-AF65-F5344CB8AC3E}">
+        <p14:creationId xmlns:p14="http://schemas.microsoft.com/office/powerpoint/2010/main" val="4095510847"/>
+      </p:ext>
+    </p:extLst>
+  </p:cSld>
+  <p:clrMapOvr>
+    <a:masterClrMapping/>
+  </p:clrMapOvr>
+</p:notes>
+</file>
+
+<file path=ppt/notesSlides/notesSlide11.xml><?xml version="1.0" encoding="utf-8"?>
+<p:notes xmlns:a="http://schemas.openxmlformats.org/drawingml/2006/main" xmlns:r="http://schemas.openxmlformats.org/officeDocument/2006/relationships" xmlns:p="http://schemas.openxmlformats.org/presentationml/2006/main">
+  <p:cSld>
+    <p:spTree>
+      <p:nvGrpSpPr>
+        <p:cNvPr id="1" name=""/>
+        <p:cNvGrpSpPr/>
+        <p:nvPr/>
+      </p:nvGrpSpPr>
+      <p:grpSpPr>
+        <a:xfrm>
+          <a:off x="0" y="0"/>
+          <a:ext cx="0" cy="0"/>
+          <a:chOff x="0" y="0"/>
+          <a:chExt cx="0" cy="0"/>
+        </a:xfrm>
+      </p:grpSpPr>
+      <p:sp>
+        <p:nvSpPr>
+          <p:cNvPr id="2" name="Slide Image Placeholder 1"/>
+          <p:cNvSpPr>
+            <a:spLocks noGrp="1" noRot="1" noChangeAspect="1"/>
+          </p:cNvSpPr>
+          <p:nvPr>
+            <p:ph type="sldImg"/>
+          </p:nvPr>
+        </p:nvSpPr>
+        <p:spPr/>
+      </p:sp>
+      <p:sp>
+        <p:nvSpPr>
+          <p:cNvPr id="3" name="Notes Placeholder 2"/>
+          <p:cNvSpPr>
+            <a:spLocks noGrp="1"/>
+          </p:cNvSpPr>
+          <p:nvPr>
+            <p:ph type="body" idx="1"/>
+          </p:nvPr>
+        </p:nvSpPr>
+        <p:spPr/>
+        <p:txBody>
+          <a:bodyPr/>
+          <a:lstStyle/>
+          <a:p>
+            <a:pPr marL="171450" indent="-171450">
+              <a:buFontTx/>
+              <a:buChar char="-"/>
+            </a:pPr>
+            <a:r>
+              <a:rPr lang="en-US" dirty="0" smtClean="0"/>
+              <a:t>Image = phóng</a:t>
+            </a:r>
+            <a:r>
+              <a:rPr lang="en-US" baseline="0" dirty="0" smtClean="0"/>
+              <a:t> to sẽ vỡ hình</a:t>
+            </a:r>
+          </a:p>
+          <a:p>
+            <a:pPr marL="171450" indent="-171450">
+              <a:buFontTx/>
+              <a:buChar char="-"/>
+            </a:pPr>
+            <a:r>
+              <a:rPr lang="en-US" baseline="0" dirty="0" smtClean="0"/>
+              <a:t>EMF – SVG = phóng to không vỡ vì hình bản chất là chỉ số. </a:t>
+            </a:r>
+            <a:endParaRPr lang="en-US" dirty="0"/>
+          </a:p>
+        </p:txBody>
+      </p:sp>
+      <p:sp>
+        <p:nvSpPr>
+          <p:cNvPr id="4" name="Slide Number Placeholder 3"/>
+          <p:cNvSpPr>
+            <a:spLocks noGrp="1"/>
+          </p:cNvSpPr>
+          <p:nvPr>
+            <p:ph type="sldNum" sz="quarter" idx="10"/>
+          </p:nvPr>
+        </p:nvSpPr>
+        <p:spPr/>
+        <p:txBody>
+          <a:bodyPr/>
+          <a:lstStyle/>
+          <a:p>
+            <a:fld id="{E57C71C6-67B9-4226-B1D8-5D8F5F092147}" type="slidenum">
+              <a:rPr lang="pl-PL" smtClean="0"/>
+              <a:t>13</a:t>
+            </a:fld>
+            <a:endParaRPr lang="pl-PL"/>
+          </a:p>
+        </p:txBody>
+      </p:sp>
+    </p:spTree>
+    <p:extLst>
+      <p:ext uri="{BB962C8B-B14F-4D97-AF65-F5344CB8AC3E}">
+        <p14:creationId xmlns:p14="http://schemas.microsoft.com/office/powerpoint/2010/main" val="2343873022"/>
+      </p:ext>
+    </p:extLst>
+  </p:cSld>
+  <p:clrMapOvr>
+    <a:masterClrMapping/>
+  </p:clrMapOvr>
+</p:notes>
+</file>
+
 <file path=ppt/notesSlides/notesSlide2.xml><?xml version="1.0" encoding="utf-8"?>
 <p:notes xmlns:a="http://schemas.openxmlformats.org/drawingml/2006/main" xmlns:r="http://schemas.openxmlformats.org/officeDocument/2006/relationships" xmlns:p="http://schemas.openxmlformats.org/presentationml/2006/main">
   <p:cSld>
@@ -681,7 +937,55 @@
           <a:bodyPr/>
           <a:lstStyle/>
           <a:p>
-            <a:endParaRPr lang="pl-PL" dirty="0"/>
+            <a:pPr marL="171450" indent="-171450">
+              <a:buFontTx/>
+              <a:buChar char="-"/>
+            </a:pPr>
+            <a:r>
+              <a:rPr lang="en-US" dirty="0" smtClean="0"/>
+              <a:t>Thêm</a:t>
+            </a:r>
+            <a:r>
+              <a:rPr lang="en-US" baseline="0" dirty="0" smtClean="0"/>
+              <a:t> outline cho hình ảnh. Custom outline trong Format picture -&gt; Fill</a:t>
+            </a:r>
+          </a:p>
+          <a:p>
+            <a:pPr marL="171450" indent="-171450">
+              <a:buFontTx/>
+              <a:buChar char="-"/>
+            </a:pPr>
+            <a:r>
+              <a:rPr lang="en-US" baseline="0" dirty="0" smtClean="0"/>
+              <a:t>Chỉ cần biết 1 chút về nó.</a:t>
+            </a:r>
+          </a:p>
+          <a:p>
+            <a:pPr marL="171450" indent="-171450">
+              <a:buFontTx/>
+              <a:buChar char="-"/>
+            </a:pPr>
+            <a:r>
+              <a:rPr lang="en-US" baseline="0" dirty="0" smtClean="0"/>
+              <a:t>Gradient thay đổi theo khung màu</a:t>
+            </a:r>
+          </a:p>
+          <a:p>
+            <a:pPr marL="171450" indent="-171450">
+              <a:buFontTx/>
+              <a:buChar char="-"/>
+            </a:pPr>
+            <a:r>
+              <a:rPr lang="en-US" baseline="0" dirty="0" smtClean="0"/>
+              <a:t>Chỉnh tính hiển thị</a:t>
+            </a:r>
+          </a:p>
+          <a:p>
+            <a:pPr marL="171450" indent="-171450">
+              <a:buFontTx/>
+              <a:buChar char="-"/>
+            </a:pPr>
+            <a:endParaRPr lang="en-US" dirty="0"/>
           </a:p>
         </p:txBody>
       </p:sp>
@@ -692,7 +996,7 @@
             <a:spLocks noGrp="1"/>
           </p:cNvSpPr>
           <p:nvPr>
-            <p:ph type="sldNum" sz="quarter" idx="5"/>
+            <p:ph type="sldNum" sz="quarter" idx="10"/>
           </p:nvPr>
         </p:nvSpPr>
         <p:spPr/>
@@ -702,7 +1006,7 @@
           <a:p>
             <a:fld id="{E57C71C6-67B9-4226-B1D8-5D8F5F092147}" type="slidenum">
               <a:rPr lang="pl-PL" smtClean="0"/>
-              <a:t>8</a:t>
+              <a:t>3</a:t>
             </a:fld>
             <a:endParaRPr lang="pl-PL"/>
           </a:p>
@@ -711,7 +1015,7 @@
     </p:spTree>
     <p:extLst>
       <p:ext uri="{BB962C8B-B14F-4D97-AF65-F5344CB8AC3E}">
-        <p14:creationId xmlns:p14="http://schemas.microsoft.com/office/powerpoint/2010/main" val="1857238039"/>
+        <p14:creationId xmlns:p14="http://schemas.microsoft.com/office/powerpoint/2010/main" val="3942258643"/>
       </p:ext>
     </p:extLst>
   </p:cSld>
@@ -765,7 +1069,315 @@
           <a:bodyPr/>
           <a:lstStyle/>
           <a:p>
-            <a:endParaRPr lang="pl-PL" dirty="0"/>
+            <a:pPr marL="171450" indent="-171450">
+              <a:buFontTx/>
+              <a:buChar char="-"/>
+            </a:pPr>
+            <a:r>
+              <a:rPr lang="en-US" dirty="0" smtClean="0"/>
+              <a:t>Format</a:t>
+            </a:r>
+            <a:r>
+              <a:rPr lang="en-US" baseline="0" dirty="0" smtClean="0"/>
+              <a:t> Painter.</a:t>
+            </a:r>
+          </a:p>
+          <a:p>
+            <a:pPr marL="171450" indent="-171450">
+              <a:buFontTx/>
+              <a:buChar char="-"/>
+            </a:pPr>
+            <a:endParaRPr lang="en-US" dirty="0"/>
+          </a:p>
+        </p:txBody>
+      </p:sp>
+      <p:sp>
+        <p:nvSpPr>
+          <p:cNvPr id="4" name="Slide Number Placeholder 3"/>
+          <p:cNvSpPr>
+            <a:spLocks noGrp="1"/>
+          </p:cNvSpPr>
+          <p:nvPr>
+            <p:ph type="sldNum" sz="quarter" idx="10"/>
+          </p:nvPr>
+        </p:nvSpPr>
+        <p:spPr/>
+        <p:txBody>
+          <a:bodyPr/>
+          <a:lstStyle/>
+          <a:p>
+            <a:fld id="{E57C71C6-67B9-4226-B1D8-5D8F5F092147}" type="slidenum">
+              <a:rPr lang="pl-PL" smtClean="0"/>
+              <a:t>4</a:t>
+            </a:fld>
+            <a:endParaRPr lang="pl-PL"/>
+          </a:p>
+        </p:txBody>
+      </p:sp>
+    </p:spTree>
+    <p:extLst>
+      <p:ext uri="{BB962C8B-B14F-4D97-AF65-F5344CB8AC3E}">
+        <p14:creationId xmlns:p14="http://schemas.microsoft.com/office/powerpoint/2010/main" val="2970340543"/>
+      </p:ext>
+    </p:extLst>
+  </p:cSld>
+  <p:clrMapOvr>
+    <a:masterClrMapping/>
+  </p:clrMapOvr>
+</p:notes>
+</file>
+
+<file path=ppt/notesSlides/notesSlide4.xml><?xml version="1.0" encoding="utf-8"?>
+<p:notes xmlns:a="http://schemas.openxmlformats.org/drawingml/2006/main" xmlns:r="http://schemas.openxmlformats.org/officeDocument/2006/relationships" xmlns:p="http://schemas.openxmlformats.org/presentationml/2006/main">
+  <p:cSld>
+    <p:spTree>
+      <p:nvGrpSpPr>
+        <p:cNvPr id="1" name=""/>
+        <p:cNvGrpSpPr/>
+        <p:nvPr/>
+      </p:nvGrpSpPr>
+      <p:grpSpPr>
+        <a:xfrm>
+          <a:off x="0" y="0"/>
+          <a:ext cx="0" cy="0"/>
+          <a:chOff x="0" y="0"/>
+          <a:chExt cx="0" cy="0"/>
+        </a:xfrm>
+      </p:grpSpPr>
+      <p:sp>
+        <p:nvSpPr>
+          <p:cNvPr id="2" name="Slide Image Placeholder 1"/>
+          <p:cNvSpPr>
+            <a:spLocks noGrp="1" noRot="1" noChangeAspect="1"/>
+          </p:cNvSpPr>
+          <p:nvPr>
+            <p:ph type="sldImg"/>
+          </p:nvPr>
+        </p:nvSpPr>
+        <p:spPr/>
+      </p:sp>
+      <p:sp>
+        <p:nvSpPr>
+          <p:cNvPr id="3" name="Notes Placeholder 2"/>
+          <p:cNvSpPr>
+            <a:spLocks noGrp="1"/>
+          </p:cNvSpPr>
+          <p:nvPr>
+            <p:ph type="body" idx="1"/>
+          </p:nvPr>
+        </p:nvSpPr>
+        <p:spPr/>
+        <p:txBody>
+          <a:bodyPr/>
+          <a:lstStyle/>
+          <a:p>
+            <a:r>
+              <a:rPr lang="en-US" dirty="0" smtClean="0"/>
+              <a:t>- Animation</a:t>
+            </a:r>
+            <a:r>
+              <a:rPr lang="en-US" baseline="0" dirty="0" smtClean="0"/>
+              <a:t> Painter</a:t>
+            </a:r>
+            <a:endParaRPr lang="en-US" dirty="0"/>
+          </a:p>
+        </p:txBody>
+      </p:sp>
+      <p:sp>
+        <p:nvSpPr>
+          <p:cNvPr id="4" name="Slide Number Placeholder 3"/>
+          <p:cNvSpPr>
+            <a:spLocks noGrp="1"/>
+          </p:cNvSpPr>
+          <p:nvPr>
+            <p:ph type="sldNum" sz="quarter" idx="10"/>
+          </p:nvPr>
+        </p:nvSpPr>
+        <p:spPr/>
+        <p:txBody>
+          <a:bodyPr/>
+          <a:lstStyle/>
+          <a:p>
+            <a:fld id="{E57C71C6-67B9-4226-B1D8-5D8F5F092147}" type="slidenum">
+              <a:rPr lang="pl-PL" smtClean="0"/>
+              <a:t>5</a:t>
+            </a:fld>
+            <a:endParaRPr lang="pl-PL"/>
+          </a:p>
+        </p:txBody>
+      </p:sp>
+    </p:spTree>
+    <p:extLst>
+      <p:ext uri="{BB962C8B-B14F-4D97-AF65-F5344CB8AC3E}">
+        <p14:creationId xmlns:p14="http://schemas.microsoft.com/office/powerpoint/2010/main" val="3970050815"/>
+      </p:ext>
+    </p:extLst>
+  </p:cSld>
+  <p:clrMapOvr>
+    <a:masterClrMapping/>
+  </p:clrMapOvr>
+</p:notes>
+</file>
+
+<file path=ppt/notesSlides/notesSlide5.xml><?xml version="1.0" encoding="utf-8"?>
+<p:notes xmlns:a="http://schemas.openxmlformats.org/drawingml/2006/main" xmlns:r="http://schemas.openxmlformats.org/officeDocument/2006/relationships" xmlns:p="http://schemas.openxmlformats.org/presentationml/2006/main">
+  <p:cSld>
+    <p:spTree>
+      <p:nvGrpSpPr>
+        <p:cNvPr id="1" name=""/>
+        <p:cNvGrpSpPr/>
+        <p:nvPr/>
+      </p:nvGrpSpPr>
+      <p:grpSpPr>
+        <a:xfrm>
+          <a:off x="0" y="0"/>
+          <a:ext cx="0" cy="0"/>
+          <a:chOff x="0" y="0"/>
+          <a:chExt cx="0" cy="0"/>
+        </a:xfrm>
+      </p:grpSpPr>
+      <p:sp>
+        <p:nvSpPr>
+          <p:cNvPr id="2" name="Slide Image Placeholder 1"/>
+          <p:cNvSpPr>
+            <a:spLocks noGrp="1" noRot="1" noChangeAspect="1"/>
+          </p:cNvSpPr>
+          <p:nvPr>
+            <p:ph type="sldImg"/>
+          </p:nvPr>
+        </p:nvSpPr>
+        <p:spPr/>
+      </p:sp>
+      <p:sp>
+        <p:nvSpPr>
+          <p:cNvPr id="3" name="Notes Placeholder 2"/>
+          <p:cNvSpPr>
+            <a:spLocks noGrp="1"/>
+          </p:cNvSpPr>
+          <p:nvPr>
+            <p:ph type="body" idx="1"/>
+          </p:nvPr>
+        </p:nvSpPr>
+        <p:spPr/>
+        <p:txBody>
+          <a:bodyPr/>
+          <a:lstStyle/>
+          <a:p>
+            <a:r>
+              <a:rPr lang="en-US" dirty="0" smtClean="0"/>
+              <a:t>Quick</a:t>
+            </a:r>
+            <a:r>
+              <a:rPr lang="en-US" baseline="0" dirty="0" smtClean="0"/>
+              <a:t> access tool</a:t>
+            </a:r>
+          </a:p>
+          <a:p>
+            <a:r>
+              <a:rPr lang="en-US" baseline="0" dirty="0" smtClean="0"/>
+              <a:t>Phím alt </a:t>
+            </a:r>
+            <a:endParaRPr lang="en-US" dirty="0"/>
+          </a:p>
+        </p:txBody>
+      </p:sp>
+      <p:sp>
+        <p:nvSpPr>
+          <p:cNvPr id="4" name="Slide Number Placeholder 3"/>
+          <p:cNvSpPr>
+            <a:spLocks noGrp="1"/>
+          </p:cNvSpPr>
+          <p:nvPr>
+            <p:ph type="sldNum" sz="quarter" idx="10"/>
+          </p:nvPr>
+        </p:nvSpPr>
+        <p:spPr/>
+        <p:txBody>
+          <a:bodyPr/>
+          <a:lstStyle/>
+          <a:p>
+            <a:fld id="{E57C71C6-67B9-4226-B1D8-5D8F5F092147}" type="slidenum">
+              <a:rPr lang="pl-PL" smtClean="0"/>
+              <a:t>7</a:t>
+            </a:fld>
+            <a:endParaRPr lang="pl-PL"/>
+          </a:p>
+        </p:txBody>
+      </p:sp>
+    </p:spTree>
+    <p:extLst>
+      <p:ext uri="{BB962C8B-B14F-4D97-AF65-F5344CB8AC3E}">
+        <p14:creationId xmlns:p14="http://schemas.microsoft.com/office/powerpoint/2010/main" val="1714363072"/>
+      </p:ext>
+    </p:extLst>
+  </p:cSld>
+  <p:clrMapOvr>
+    <a:masterClrMapping/>
+  </p:clrMapOvr>
+</p:notes>
+</file>
+
+<file path=ppt/notesSlides/notesSlide6.xml><?xml version="1.0" encoding="utf-8"?>
+<p:notes xmlns:a="http://schemas.openxmlformats.org/drawingml/2006/main" xmlns:r="http://schemas.openxmlformats.org/officeDocument/2006/relationships" xmlns:p="http://schemas.openxmlformats.org/presentationml/2006/main">
+  <p:cSld>
+    <p:spTree>
+      <p:nvGrpSpPr>
+        <p:cNvPr id="1" name=""/>
+        <p:cNvGrpSpPr/>
+        <p:nvPr/>
+      </p:nvGrpSpPr>
+      <p:grpSpPr>
+        <a:xfrm>
+          <a:off x="0" y="0"/>
+          <a:ext cx="0" cy="0"/>
+          <a:chOff x="0" y="0"/>
+          <a:chExt cx="0" cy="0"/>
+        </a:xfrm>
+      </p:grpSpPr>
+      <p:sp>
+        <p:nvSpPr>
+          <p:cNvPr id="2" name="Slide Image Placeholder 1"/>
+          <p:cNvSpPr>
+            <a:spLocks noGrp="1" noRot="1" noChangeAspect="1"/>
+          </p:cNvSpPr>
+          <p:nvPr>
+            <p:ph type="sldImg"/>
+          </p:nvPr>
+        </p:nvSpPr>
+        <p:spPr/>
+      </p:sp>
+      <p:sp>
+        <p:nvSpPr>
+          <p:cNvPr id="3" name="Notes Placeholder 2"/>
+          <p:cNvSpPr>
+            <a:spLocks noGrp="1"/>
+          </p:cNvSpPr>
+          <p:nvPr>
+            <p:ph type="body" idx="1"/>
+          </p:nvPr>
+        </p:nvSpPr>
+        <p:spPr/>
+        <p:txBody>
+          <a:bodyPr/>
+          <a:lstStyle/>
+          <a:p>
+            <a:r>
+              <a:rPr lang="en-US" dirty="0" smtClean="0"/>
+              <a:t>Edit</a:t>
+            </a:r>
+            <a:r>
+              <a:rPr lang="en-US" baseline="0" dirty="0" smtClean="0"/>
+              <a:t> point</a:t>
+            </a:r>
+          </a:p>
+          <a:p>
+            <a:r>
+              <a:rPr lang="en-US" baseline="0" dirty="0" smtClean="0"/>
+              <a:t>Add point</a:t>
+            </a:r>
+          </a:p>
+          <a:p>
+            <a:endParaRPr lang="en-US" baseline="0" dirty="0" smtClean="0"/>
           </a:p>
         </p:txBody>
       </p:sp>
@@ -786,7 +1398,7 @@
           <a:p>
             <a:fld id="{E57C71C6-67B9-4226-B1D8-5D8F5F092147}" type="slidenum">
               <a:rPr lang="pl-PL" smtClean="0"/>
-              <a:t>12</a:t>
+              <a:t>8</a:t>
             </a:fld>
             <a:endParaRPr lang="pl-PL"/>
           </a:p>
@@ -795,7 +1407,385 @@
     </p:spTree>
     <p:extLst>
       <p:ext uri="{BB962C8B-B14F-4D97-AF65-F5344CB8AC3E}">
-        <p14:creationId xmlns:p14="http://schemas.microsoft.com/office/powerpoint/2010/main" val="4095510847"/>
+        <p14:creationId xmlns:p14="http://schemas.microsoft.com/office/powerpoint/2010/main" val="1857238039"/>
+      </p:ext>
+    </p:extLst>
+  </p:cSld>
+  <p:clrMapOvr>
+    <a:masterClrMapping/>
+  </p:clrMapOvr>
+</p:notes>
+</file>
+
+<file path=ppt/notesSlides/notesSlide7.xml><?xml version="1.0" encoding="utf-8"?>
+<p:notes xmlns:a="http://schemas.openxmlformats.org/drawingml/2006/main" xmlns:r="http://schemas.openxmlformats.org/officeDocument/2006/relationships" xmlns:p="http://schemas.openxmlformats.org/presentationml/2006/main">
+  <p:cSld>
+    <p:spTree>
+      <p:nvGrpSpPr>
+        <p:cNvPr id="1" name=""/>
+        <p:cNvGrpSpPr/>
+        <p:nvPr/>
+      </p:nvGrpSpPr>
+      <p:grpSpPr>
+        <a:xfrm>
+          <a:off x="0" y="0"/>
+          <a:ext cx="0" cy="0"/>
+          <a:chOff x="0" y="0"/>
+          <a:chExt cx="0" cy="0"/>
+        </a:xfrm>
+      </p:grpSpPr>
+      <p:sp>
+        <p:nvSpPr>
+          <p:cNvPr id="2" name="Slide Image Placeholder 1"/>
+          <p:cNvSpPr>
+            <a:spLocks noGrp="1" noRot="1" noChangeAspect="1"/>
+          </p:cNvSpPr>
+          <p:nvPr>
+            <p:ph type="sldImg"/>
+          </p:nvPr>
+        </p:nvSpPr>
+        <p:spPr/>
+      </p:sp>
+      <p:sp>
+        <p:nvSpPr>
+          <p:cNvPr id="3" name="Notes Placeholder 2"/>
+          <p:cNvSpPr>
+            <a:spLocks noGrp="1"/>
+          </p:cNvSpPr>
+          <p:nvPr>
+            <p:ph type="body" idx="1"/>
+          </p:nvPr>
+        </p:nvSpPr>
+        <p:spPr/>
+        <p:txBody>
+          <a:bodyPr/>
+          <a:lstStyle/>
+          <a:p>
+            <a:pPr marL="171450" indent="-171450">
+              <a:buFontTx/>
+              <a:buChar char="-"/>
+            </a:pPr>
+            <a:r>
+              <a:rPr lang="en-US" dirty="0" smtClean="0"/>
+              <a:t>Tìm</a:t>
+            </a:r>
+            <a:r>
+              <a:rPr lang="en-US" baseline="0" dirty="0" smtClean="0"/>
+              <a:t> kiếm màu: https://coolors.co/ https://colorhunt.co/ https://color.adobe.com/create</a:t>
+            </a:r>
+          </a:p>
+          <a:p>
+            <a:pPr marL="171450" indent="-171450">
+              <a:buFontTx/>
+              <a:buChar char="-"/>
+            </a:pPr>
+            <a:r>
+              <a:rPr lang="en-US" baseline="0" dirty="0" smtClean="0"/>
+              <a:t>Screenshot màn hình</a:t>
+            </a:r>
+          </a:p>
+          <a:p>
+            <a:pPr marL="171450" indent="-171450">
+              <a:buFontTx/>
+              <a:buChar char="-"/>
+            </a:pPr>
+            <a:r>
+              <a:rPr lang="en-US" dirty="0" smtClean="0"/>
+              <a:t>https://color.adobe.com/create</a:t>
+            </a:r>
+            <a:endParaRPr lang="en-US" dirty="0"/>
+          </a:p>
+        </p:txBody>
+      </p:sp>
+      <p:sp>
+        <p:nvSpPr>
+          <p:cNvPr id="4" name="Slide Number Placeholder 3"/>
+          <p:cNvSpPr>
+            <a:spLocks noGrp="1"/>
+          </p:cNvSpPr>
+          <p:nvPr>
+            <p:ph type="sldNum" sz="quarter" idx="10"/>
+          </p:nvPr>
+        </p:nvSpPr>
+        <p:spPr/>
+        <p:txBody>
+          <a:bodyPr/>
+          <a:lstStyle/>
+          <a:p>
+            <a:fld id="{E57C71C6-67B9-4226-B1D8-5D8F5F092147}" type="slidenum">
+              <a:rPr lang="pl-PL" smtClean="0"/>
+              <a:t>9</a:t>
+            </a:fld>
+            <a:endParaRPr lang="pl-PL"/>
+          </a:p>
+        </p:txBody>
+      </p:sp>
+    </p:spTree>
+    <p:extLst>
+      <p:ext uri="{BB962C8B-B14F-4D97-AF65-F5344CB8AC3E}">
+        <p14:creationId xmlns:p14="http://schemas.microsoft.com/office/powerpoint/2010/main" val="3539012604"/>
+      </p:ext>
+    </p:extLst>
+  </p:cSld>
+  <p:clrMapOvr>
+    <a:masterClrMapping/>
+  </p:clrMapOvr>
+</p:notes>
+</file>
+
+<file path=ppt/notesSlides/notesSlide8.xml><?xml version="1.0" encoding="utf-8"?>
+<p:notes xmlns:a="http://schemas.openxmlformats.org/drawingml/2006/main" xmlns:r="http://schemas.openxmlformats.org/officeDocument/2006/relationships" xmlns:p="http://schemas.openxmlformats.org/presentationml/2006/main">
+  <p:cSld>
+    <p:spTree>
+      <p:nvGrpSpPr>
+        <p:cNvPr id="1" name=""/>
+        <p:cNvGrpSpPr/>
+        <p:nvPr/>
+      </p:nvGrpSpPr>
+      <p:grpSpPr>
+        <a:xfrm>
+          <a:off x="0" y="0"/>
+          <a:ext cx="0" cy="0"/>
+          <a:chOff x="0" y="0"/>
+          <a:chExt cx="0" cy="0"/>
+        </a:xfrm>
+      </p:grpSpPr>
+      <p:sp>
+        <p:nvSpPr>
+          <p:cNvPr id="2" name="Slide Image Placeholder 1"/>
+          <p:cNvSpPr>
+            <a:spLocks noGrp="1" noRot="1" noChangeAspect="1"/>
+          </p:cNvSpPr>
+          <p:nvPr>
+            <p:ph type="sldImg"/>
+          </p:nvPr>
+        </p:nvSpPr>
+        <p:spPr/>
+      </p:sp>
+      <p:sp>
+        <p:nvSpPr>
+          <p:cNvPr id="3" name="Notes Placeholder 2"/>
+          <p:cNvSpPr>
+            <a:spLocks noGrp="1"/>
+          </p:cNvSpPr>
+          <p:nvPr>
+            <p:ph type="body" idx="1"/>
+          </p:nvPr>
+        </p:nvSpPr>
+        <p:spPr/>
+        <p:txBody>
+          <a:bodyPr/>
+          <a:lstStyle/>
+          <a:p>
+            <a:pPr marL="171450" indent="-171450">
+              <a:buFontTx/>
+              <a:buChar char="-"/>
+            </a:pPr>
+            <a:r>
+              <a:rPr lang="en-US" dirty="0" smtClean="0"/>
+              <a:t>Font</a:t>
+            </a:r>
+            <a:r>
+              <a:rPr lang="en-US" baseline="0" dirty="0" smtClean="0"/>
+              <a:t> chữ đẹp: https://www.1001freefonts.com/, https://www.fontsquirrel.com/, https://www.1001fonts.com/, https://fonts.google.com/</a:t>
+            </a:r>
+          </a:p>
+          <a:p>
+            <a:pPr marL="171450" indent="-171450">
+              <a:buFontTx/>
+              <a:buChar char="-"/>
+            </a:pPr>
+            <a:r>
+              <a:rPr lang="en-US" baseline="0" dirty="0" smtClean="0"/>
+              <a:t>Có thể lựa chọn font miễn phí sử dụng thương mại: https://www.1001fonts.com/free-for-commercial-use-fonts.html</a:t>
+            </a:r>
+          </a:p>
+          <a:p>
+            <a:pPr marL="171450" indent="-171450">
+              <a:buFontTx/>
+              <a:buChar char="-"/>
+            </a:pPr>
+            <a:r>
+              <a:rPr lang="en-US" baseline="0" dirty="0" smtClean="0"/>
+              <a:t>Font việt hoá: https://www.google.com/search?q=trang+web+font+vi%E1%BB%87t+ho%C3%A1&amp;rlz=1C1VDKB_enVN1012VN1012&amp;oq=trang+web+font+vi%E1%BB%87t+ho%C3%A1&amp;aqs=chrome..69i57.5628j0j4&amp;sourceid=chrome&amp;ie=UTF-8</a:t>
+            </a:r>
+          </a:p>
+          <a:p>
+            <a:pPr marL="171450" indent="-171450">
+              <a:buFontTx/>
+              <a:buChar char="-"/>
+            </a:pPr>
+            <a:r>
+              <a:rPr lang="en-US" dirty="0" smtClean="0"/>
+              <a:t>Google</a:t>
+            </a:r>
+            <a:r>
+              <a:rPr lang="en-US" baseline="0" dirty="0" smtClean="0"/>
+              <a:t> font: Kéo xuống dưới và xem các cách để kết hợp font tuyệt vời. Hoặc bạn xem ở đây: https://www.google.com/search?q=google+font+pairings&amp;rlz=1C1VDKB_enVN1012VN1012&amp;oq=google+font+pairings&amp;aqs=chrome..69i57j0i22i30l9.4146j0j7&amp;sourceid=chrome&amp;ie=UTF-8</a:t>
+            </a:r>
+          </a:p>
+          <a:p>
+            <a:pPr marL="171450" indent="-171450">
+              <a:buFontTx/>
+              <a:buChar char="-"/>
+            </a:pPr>
+            <a:r>
+              <a:rPr lang="en-US" baseline="0" dirty="0" smtClean="0"/>
+              <a:t>Tự cài font.</a:t>
+            </a:r>
+          </a:p>
+          <a:p>
+            <a:pPr marL="171450" indent="-171450">
+              <a:buFontTx/>
+              <a:buChar char="-"/>
+            </a:pPr>
+            <a:r>
+              <a:rPr lang="en-US" baseline="0" dirty="0" smtClean="0"/>
+              <a:t>Chú ý: OTF không hỗ trợ</a:t>
+            </a:r>
+          </a:p>
+          <a:p>
+            <a:pPr marL="171450" indent="-171450">
+              <a:buFontTx/>
+              <a:buChar char="-"/>
+            </a:pPr>
+            <a:r>
+              <a:rPr lang="en-US" baseline="0" dirty="0" smtClean="0"/>
+              <a:t>Font chữ nên kết hợp 2 font trên 1 trang</a:t>
+            </a:r>
+          </a:p>
+          <a:p>
+            <a:pPr marL="171450" indent="-171450">
+              <a:buFontTx/>
+              <a:buChar char="-"/>
+            </a:pPr>
+            <a:r>
+              <a:rPr lang="en-US" baseline="0" dirty="0" smtClean="0"/>
+              <a:t>Chú ý: Cài xong rồi nhớ đóng rồi mở lại powerpoint nhé!.</a:t>
+            </a:r>
+            <a:endParaRPr lang="en-US" dirty="0"/>
+          </a:p>
+        </p:txBody>
+      </p:sp>
+      <p:sp>
+        <p:nvSpPr>
+          <p:cNvPr id="4" name="Slide Number Placeholder 3"/>
+          <p:cNvSpPr>
+            <a:spLocks noGrp="1"/>
+          </p:cNvSpPr>
+          <p:nvPr>
+            <p:ph type="sldNum" sz="quarter" idx="10"/>
+          </p:nvPr>
+        </p:nvSpPr>
+        <p:spPr/>
+        <p:txBody>
+          <a:bodyPr/>
+          <a:lstStyle/>
+          <a:p>
+            <a:fld id="{E57C71C6-67B9-4226-B1D8-5D8F5F092147}" type="slidenum">
+              <a:rPr lang="pl-PL" smtClean="0"/>
+              <a:t>10</a:t>
+            </a:fld>
+            <a:endParaRPr lang="pl-PL"/>
+          </a:p>
+        </p:txBody>
+      </p:sp>
+    </p:spTree>
+    <p:extLst>
+      <p:ext uri="{BB962C8B-B14F-4D97-AF65-F5344CB8AC3E}">
+        <p14:creationId xmlns:p14="http://schemas.microsoft.com/office/powerpoint/2010/main" val="499223166"/>
+      </p:ext>
+    </p:extLst>
+  </p:cSld>
+  <p:clrMapOvr>
+    <a:masterClrMapping/>
+  </p:clrMapOvr>
+</p:notes>
+</file>
+
+<file path=ppt/notesSlides/notesSlide9.xml><?xml version="1.0" encoding="utf-8"?>
+<p:notes xmlns:a="http://schemas.openxmlformats.org/drawingml/2006/main" xmlns:r="http://schemas.openxmlformats.org/officeDocument/2006/relationships" xmlns:p="http://schemas.openxmlformats.org/presentationml/2006/main">
+  <p:cSld>
+    <p:spTree>
+      <p:nvGrpSpPr>
+        <p:cNvPr id="1" name=""/>
+        <p:cNvGrpSpPr/>
+        <p:nvPr/>
+      </p:nvGrpSpPr>
+      <p:grpSpPr>
+        <a:xfrm>
+          <a:off x="0" y="0"/>
+          <a:ext cx="0" cy="0"/>
+          <a:chOff x="0" y="0"/>
+          <a:chExt cx="0" cy="0"/>
+        </a:xfrm>
+      </p:grpSpPr>
+      <p:sp>
+        <p:nvSpPr>
+          <p:cNvPr id="2" name="Slide Image Placeholder 1"/>
+          <p:cNvSpPr>
+            <a:spLocks noGrp="1" noRot="1" noChangeAspect="1"/>
+          </p:cNvSpPr>
+          <p:nvPr>
+            <p:ph type="sldImg"/>
+          </p:nvPr>
+        </p:nvSpPr>
+        <p:spPr/>
+      </p:sp>
+      <p:sp>
+        <p:nvSpPr>
+          <p:cNvPr id="3" name="Notes Placeholder 2"/>
+          <p:cNvSpPr>
+            <a:spLocks noGrp="1"/>
+          </p:cNvSpPr>
+          <p:nvPr>
+            <p:ph type="body" idx="1"/>
+          </p:nvPr>
+        </p:nvSpPr>
+        <p:spPr/>
+        <p:txBody>
+          <a:bodyPr/>
+          <a:lstStyle/>
+          <a:p>
+            <a:r>
+              <a:rPr lang="en-US" dirty="0" smtClean="0"/>
+              <a:t>- Nhìn</a:t>
+            </a:r>
+            <a:r>
+              <a:rPr lang="en-US" baseline="0" dirty="0" smtClean="0"/>
+              <a:t> nó nhiều thông tin quá!</a:t>
+            </a:r>
+            <a:endParaRPr lang="en-US" dirty="0"/>
+          </a:p>
+        </p:txBody>
+      </p:sp>
+      <p:sp>
+        <p:nvSpPr>
+          <p:cNvPr id="4" name="Slide Number Placeholder 3"/>
+          <p:cNvSpPr>
+            <a:spLocks noGrp="1"/>
+          </p:cNvSpPr>
+          <p:nvPr>
+            <p:ph type="sldNum" sz="quarter" idx="10"/>
+          </p:nvPr>
+        </p:nvSpPr>
+        <p:spPr/>
+        <p:txBody>
+          <a:bodyPr/>
+          <a:lstStyle/>
+          <a:p>
+            <a:fld id="{E57C71C6-67B9-4226-B1D8-5D8F5F092147}" type="slidenum">
+              <a:rPr lang="pl-PL" smtClean="0"/>
+              <a:t>11</a:t>
+            </a:fld>
+            <a:endParaRPr lang="pl-PL"/>
+          </a:p>
+        </p:txBody>
+      </p:sp>
+    </p:spTree>
+    <p:extLst>
+      <p:ext uri="{BB962C8B-B14F-4D97-AF65-F5344CB8AC3E}">
+        <p14:creationId xmlns:p14="http://schemas.microsoft.com/office/powerpoint/2010/main" val="3326742824"/>
       </p:ext>
     </p:extLst>
   </p:cSld>
@@ -954,7 +1944,7 @@
           <a:p>
             <a:fld id="{A53EF536-BF29-4F29-B23B-C1DC8774CAA5}" type="datetimeFigureOut">
               <a:rPr lang="pl-PL" smtClean="0"/>
-              <a:t>2022-09-22</a:t>
+              <a:t>2022-09-28</a:t>
             </a:fld>
             <a:endParaRPr lang="pl-PL"/>
           </a:p>
@@ -1154,7 +2144,7 @@
           <a:p>
             <a:fld id="{A53EF536-BF29-4F29-B23B-C1DC8774CAA5}" type="datetimeFigureOut">
               <a:rPr lang="pl-PL" smtClean="0"/>
-              <a:t>2022-09-22</a:t>
+              <a:t>2022-09-28</a:t>
             </a:fld>
             <a:endParaRPr lang="pl-PL"/>
           </a:p>
@@ -1364,7 +2354,7 @@
           <a:p>
             <a:fld id="{A53EF536-BF29-4F29-B23B-C1DC8774CAA5}" type="datetimeFigureOut">
               <a:rPr lang="pl-PL" smtClean="0"/>
-              <a:t>2022-09-22</a:t>
+              <a:t>2022-09-28</a:t>
             </a:fld>
             <a:endParaRPr lang="pl-PL"/>
           </a:p>
@@ -1564,7 +2554,7 @@
           <a:p>
             <a:fld id="{A53EF536-BF29-4F29-B23B-C1DC8774CAA5}" type="datetimeFigureOut">
               <a:rPr lang="pl-PL" smtClean="0"/>
-              <a:t>2022-09-22</a:t>
+              <a:t>2022-09-28</a:t>
             </a:fld>
             <a:endParaRPr lang="pl-PL"/>
           </a:p>
@@ -1840,7 +2830,7 @@
           <a:p>
             <a:fld id="{A53EF536-BF29-4F29-B23B-C1DC8774CAA5}" type="datetimeFigureOut">
               <a:rPr lang="pl-PL" smtClean="0"/>
-              <a:t>2022-09-22</a:t>
+              <a:t>2022-09-28</a:t>
             </a:fld>
             <a:endParaRPr lang="pl-PL"/>
           </a:p>
@@ -2108,7 +3098,7 @@
           <a:p>
             <a:fld id="{A53EF536-BF29-4F29-B23B-C1DC8774CAA5}" type="datetimeFigureOut">
               <a:rPr lang="pl-PL" smtClean="0"/>
-              <a:t>2022-09-22</a:t>
+              <a:t>2022-09-28</a:t>
             </a:fld>
             <a:endParaRPr lang="pl-PL"/>
           </a:p>
@@ -2523,7 +3513,7 @@
           <a:p>
             <a:fld id="{A53EF536-BF29-4F29-B23B-C1DC8774CAA5}" type="datetimeFigureOut">
               <a:rPr lang="pl-PL" smtClean="0"/>
-              <a:t>2022-09-22</a:t>
+              <a:t>2022-09-28</a:t>
             </a:fld>
             <a:endParaRPr lang="pl-PL"/>
           </a:p>
@@ -2665,7 +3655,7 @@
           <a:p>
             <a:fld id="{A53EF536-BF29-4F29-B23B-C1DC8774CAA5}" type="datetimeFigureOut">
               <a:rPr lang="pl-PL" smtClean="0"/>
-              <a:t>2022-09-22</a:t>
+              <a:t>2022-09-28</a:t>
             </a:fld>
             <a:endParaRPr lang="pl-PL"/>
           </a:p>
@@ -2778,7 +3768,7 @@
           <a:p>
             <a:fld id="{A53EF536-BF29-4F29-B23B-C1DC8774CAA5}" type="datetimeFigureOut">
               <a:rPr lang="pl-PL" smtClean="0"/>
-              <a:t>2022-09-22</a:t>
+              <a:t>2022-09-28</a:t>
             </a:fld>
             <a:endParaRPr lang="pl-PL"/>
           </a:p>
@@ -3091,7 +4081,7 @@
           <a:p>
             <a:fld id="{A53EF536-BF29-4F29-B23B-C1DC8774CAA5}" type="datetimeFigureOut">
               <a:rPr lang="pl-PL" smtClean="0"/>
-              <a:t>2022-09-22</a:t>
+              <a:t>2022-09-28</a:t>
             </a:fld>
             <a:endParaRPr lang="pl-PL"/>
           </a:p>
@@ -3380,7 +4370,7 @@
           <a:p>
             <a:fld id="{A53EF536-BF29-4F29-B23B-C1DC8774CAA5}" type="datetimeFigureOut">
               <a:rPr lang="pl-PL" smtClean="0"/>
-              <a:t>2022-09-22</a:t>
+              <a:t>2022-09-28</a:t>
             </a:fld>
             <a:endParaRPr lang="pl-PL"/>
           </a:p>
@@ -3623,7 +4613,7 @@
           <a:p>
             <a:fld id="{A53EF536-BF29-4F29-B23B-C1DC8774CAA5}" type="datetimeFigureOut">
               <a:rPr lang="pl-PL" smtClean="0"/>
-              <a:t>2022-09-22</a:t>
+              <a:t>2022-09-28</a:t>
             </a:fld>
             <a:endParaRPr lang="pl-PL"/>
           </a:p>
@@ -4295,9 +5285,9 @@
           <p:nvPr/>
         </p:nvCxnSpPr>
         <p:spPr>
-          <a:xfrm>
-            <a:off x="4097143" y="0"/>
-            <a:ext cx="0" cy="6858000"/>
+          <a:xfrm flipH="1">
+            <a:off x="4082603" y="0"/>
+            <a:ext cx="14540" cy="6106160"/>
           </a:xfrm>
           <a:prstGeom prst="line">
             <a:avLst/>
@@ -4338,7 +5328,7 @@
         <p:spPr>
           <a:xfrm>
             <a:off x="8164174" y="0"/>
-            <a:ext cx="0" cy="6858000"/>
+            <a:ext cx="13911" cy="5898524"/>
           </a:xfrm>
           <a:prstGeom prst="line">
             <a:avLst/>
@@ -4852,7 +5842,7 @@
         </p:nvSpPr>
         <p:spPr>
           <a:xfrm>
-            <a:off x="9390038" y="3104868"/>
+            <a:off x="9363384" y="3267444"/>
             <a:ext cx="959364" cy="959364"/>
           </a:xfrm>
           <a:prstGeom prst="ellipse">
@@ -4930,6 +5920,35 @@
           </a:p>
         </p:txBody>
       </p:sp>
+      <p:sp>
+        <p:nvSpPr>
+          <p:cNvPr id="6" name="TextBox 5"/>
+          <p:cNvSpPr txBox="1"/>
+          <p:nvPr/>
+        </p:nvSpPr>
+        <p:spPr>
+          <a:xfrm>
+            <a:off x="1493949" y="6310648"/>
+            <a:ext cx="9002333" cy="369332"/>
+          </a:xfrm>
+          <a:prstGeom prst="rect">
+            <a:avLst/>
+          </a:prstGeom>
+          <a:noFill/>
+        </p:spPr>
+        <p:txBody>
+          <a:bodyPr wrap="square" rtlCol="0">
+            <a:spAutoFit/>
+          </a:bodyPr>
+          <a:lstStyle/>
+          <a:p>
+            <a:r>
+              <a:rPr lang="en-US" dirty="0"/>
+              <a:t>Xem thêm: https://goodly.co.in/ctrl-alt-and-shift-shortcuts-in-powerpoint/</a:t>
+            </a:r>
+          </a:p>
+        </p:txBody>
+      </p:sp>
     </p:spTree>
     <p:extLst>
       <p:ext uri="{BB962C8B-B14F-4D97-AF65-F5344CB8AC3E}">
@@ -4940,6 +5959,13 @@
   <p:clrMapOvr>
     <a:masterClrMapping/>
   </p:clrMapOvr>
+  <p:timing>
+    <p:tnLst>
+      <p:par>
+        <p:cTn id="1" dur="indefinite" restart="never" nodeType="tmRoot"/>
+      </p:par>
+    </p:tnLst>
+  </p:timing>
 </p:sld>
 </file>
 
@@ -5250,7 +6276,7 @@
         </p:nvSpPr>
         <p:spPr>
           <a:xfrm>
-            <a:off x="995291" y="790469"/>
+            <a:off x="817110" y="610026"/>
             <a:ext cx="5481705" cy="1754326"/>
           </a:xfrm>
           <a:prstGeom prst="rect">
@@ -5265,7 +6291,9 @@
           <a:lstStyle/>
           <a:p>
             <a:r>
-              <a:rPr lang="pl-PL" sz="5400" dirty="0"/>
+              <a:rPr lang="pl-PL" sz="5400" dirty="0">
+                <a:latin typeface="Book Antiqua" panose="02040602050305030304" pitchFamily="18" charset="0"/>
+              </a:rPr>
               <a:t>This would be an example title</a:t>
             </a:r>
           </a:p>
@@ -5286,7 +6314,7 @@
         <p:spPr>
           <a:xfrm>
             <a:off x="817110" y="2974378"/>
-            <a:ext cx="4669290" cy="2677656"/>
+            <a:ext cx="6086608" cy="3108543"/>
           </a:xfrm>
           <a:prstGeom prst="rect">
             <a:avLst/>
@@ -5300,7 +6328,10 @@
           <a:lstStyle/>
           <a:p>
             <a:r>
-              <a:rPr lang="pl-PL" sz="2800" dirty="0"/>
+              <a:rPr lang="pl-PL" sz="2800" dirty="0">
+                <a:latin typeface="Courier New" panose="02070309020205020404" pitchFamily="49" charset="0"/>
+                <a:cs typeface="Courier New" panose="02070309020205020404" pitchFamily="49" charset="0"/>
+              </a:rPr>
               <a:t>This would be example text under the title. They should both look good! The idea behind this is that you will fall in love with better fonts. Let’s see where that bring us!</a:t>
             </a:r>
           </a:p>
@@ -5455,6 +6486,13 @@
   <p:clrMapOvr>
     <a:masterClrMapping/>
   </p:clrMapOvr>
+  <p:timing>
+    <p:tnLst>
+      <p:par>
+        <p:cTn id="1" dur="indefinite" restart="never" nodeType="tmRoot"/>
+      </p:par>
+    </p:tnLst>
+  </p:timing>
 </p:sld>
 </file>
 
@@ -5490,7 +6528,7 @@
           <p:nvPr/>
         </p:nvPicPr>
         <p:blipFill>
-          <a:blip r:embed="rId2">
+          <a:blip r:embed="rId3">
             <a:extLst>
               <a:ext uri="{28A0092B-C50C-407E-A947-70E740481C1C}">
                 <a14:useLocalDpi xmlns:a14="http://schemas.microsoft.com/office/drawing/2010/main" val="0"/>
@@ -5581,7 +6619,7 @@
                 </a:solidFill>
                 <a:effectLst/>
                 <a:latin typeface="Arial" panose="020B0604020202020204" pitchFamily="34" charset="0"/>
-                <a:hlinkClick r:id="rId3" tooltip="Uncertainty"/>
+                <a:hlinkClick r:id="rId4" tooltip="Uncertainty"/>
               </a:rPr>
               <a:t>uncertainty</a:t>
             </a:r>
@@ -5622,7 +6660,7 @@
                 </a:solidFill>
                 <a:effectLst/>
                 <a:latin typeface="Arial" panose="020B0604020202020204" pitchFamily="34" charset="0"/>
-                <a:hlinkClick r:id="rId4"/>
+                <a:hlinkClick r:id="rId5"/>
               </a:rPr>
               <a:t>[1]</a:t>
             </a:r>
@@ -5643,7 +6681,7 @@
                 </a:solidFill>
                 <a:effectLst/>
                 <a:latin typeface="Arial" panose="020B0604020202020204" pitchFamily="34" charset="0"/>
-                <a:hlinkClick r:id="rId5" tooltip="Constraint (information theory)"/>
+                <a:hlinkClick r:id="rId6" tooltip="Constraint (information theory)"/>
               </a:rPr>
               <a:t>constraint</a:t>
             </a:r>
@@ -5664,7 +6702,7 @@
                 </a:solidFill>
                 <a:effectLst/>
                 <a:latin typeface="Arial" panose="020B0604020202020204" pitchFamily="34" charset="0"/>
-                <a:hlinkClick r:id="rId6" tooltip="Communication"/>
+                <a:hlinkClick r:id="rId7" tooltip="Communication"/>
               </a:rPr>
               <a:t>communication</a:t>
             </a:r>
@@ -5685,7 +6723,7 @@
                 </a:solidFill>
                 <a:effectLst/>
                 <a:latin typeface="Arial" panose="020B0604020202020204" pitchFamily="34" charset="0"/>
-                <a:hlinkClick r:id="rId7" tooltip="Control system"/>
+                <a:hlinkClick r:id="rId8" tooltip="Control system"/>
               </a:rPr>
               <a:t>control</a:t>
             </a:r>
@@ -5706,7 +6744,7 @@
                 </a:solidFill>
                 <a:effectLst/>
                 <a:latin typeface="Arial" panose="020B0604020202020204" pitchFamily="34" charset="0"/>
-                <a:hlinkClick r:id="rId8" tooltip="Data"/>
+                <a:hlinkClick r:id="rId9" tooltip="Data"/>
               </a:rPr>
               <a:t>data</a:t>
             </a:r>
@@ -5727,7 +6765,7 @@
                 </a:solidFill>
                 <a:effectLst/>
                 <a:latin typeface="Arial" panose="020B0604020202020204" pitchFamily="34" charset="0"/>
-                <a:hlinkClick r:id="rId9" tooltip="Shape"/>
+                <a:hlinkClick r:id="rId10" tooltip="Shape"/>
               </a:rPr>
               <a:t>form</a:t>
             </a:r>
@@ -5748,7 +6786,7 @@
                 </a:solidFill>
                 <a:effectLst/>
                 <a:latin typeface="Arial" panose="020B0604020202020204" pitchFamily="34" charset="0"/>
-                <a:hlinkClick r:id="rId10" tooltip="Education"/>
+                <a:hlinkClick r:id="rId11" tooltip="Education"/>
               </a:rPr>
               <a:t>education</a:t>
             </a:r>
@@ -5769,7 +6807,7 @@
                 </a:solidFill>
                 <a:effectLst/>
                 <a:latin typeface="Arial" panose="020B0604020202020204" pitchFamily="34" charset="0"/>
-                <a:hlinkClick r:id="rId11" tooltip="Knowledge"/>
+                <a:hlinkClick r:id="rId12" tooltip="Knowledge"/>
               </a:rPr>
               <a:t>knowledge</a:t>
             </a:r>
@@ -5790,7 +6828,7 @@
                 </a:solidFill>
                 <a:effectLst/>
                 <a:latin typeface="Arial" panose="020B0604020202020204" pitchFamily="34" charset="0"/>
-                <a:hlinkClick r:id="rId12" tooltip="Meaning (linguistics)"/>
+                <a:hlinkClick r:id="rId13" tooltip="Meaning (linguistics)"/>
               </a:rPr>
               <a:t>meaning</a:t>
             </a:r>
@@ -5811,7 +6849,7 @@
                 </a:solidFill>
                 <a:effectLst/>
                 <a:latin typeface="Arial" panose="020B0604020202020204" pitchFamily="34" charset="0"/>
-                <a:hlinkClick r:id="rId13" tooltip="Understanding"/>
+                <a:hlinkClick r:id="rId14" tooltip="Understanding"/>
               </a:rPr>
               <a:t>understanding</a:t>
             </a:r>
@@ -5832,7 +6870,7 @@
                 </a:solidFill>
                 <a:effectLst/>
                 <a:latin typeface="Arial" panose="020B0604020202020204" pitchFamily="34" charset="0"/>
-                <a:hlinkClick r:id="rId14" tooltip="Stimulation"/>
+                <a:hlinkClick r:id="rId15" tooltip="Stimulation"/>
               </a:rPr>
               <a:t>mental stimuli</a:t>
             </a:r>
@@ -5853,7 +6891,7 @@
                 </a:solidFill>
                 <a:effectLst/>
                 <a:latin typeface="Arial" panose="020B0604020202020204" pitchFamily="34" charset="0"/>
-                <a:hlinkClick r:id="rId15" tooltip="Pattern theory"/>
+                <a:hlinkClick r:id="rId16" tooltip="Pattern theory"/>
               </a:rPr>
               <a:t>pattern</a:t>
             </a:r>
@@ -5874,7 +6912,7 @@
                 </a:solidFill>
                 <a:effectLst/>
                 <a:latin typeface="Arial" panose="020B0604020202020204" pitchFamily="34" charset="0"/>
-                <a:hlinkClick r:id="rId16" tooltip="Perception"/>
+                <a:hlinkClick r:id="rId17" tooltip="Perception"/>
               </a:rPr>
               <a:t>perception</a:t>
             </a:r>
@@ -5895,7 +6933,7 @@
                 </a:solidFill>
                 <a:effectLst/>
                 <a:latin typeface="Arial" panose="020B0604020202020204" pitchFamily="34" charset="0"/>
-                <a:hlinkClick r:id="rId17" tooltip="Knowledge representation"/>
+                <a:hlinkClick r:id="rId18" tooltip="Knowledge representation"/>
               </a:rPr>
               <a:t>representation</a:t>
             </a:r>
@@ -5916,7 +6954,7 @@
                 </a:solidFill>
                 <a:effectLst/>
                 <a:latin typeface="Arial" panose="020B0604020202020204" pitchFamily="34" charset="0"/>
-                <a:hlinkClick r:id="rId18" tooltip="Entropy (information theory)"/>
+                <a:hlinkClick r:id="rId19" tooltip="Entropy (information theory)"/>
               </a:rPr>
               <a:t>entropy</a:t>
             </a:r>
@@ -5980,7 +7018,7 @@
                 </a:solidFill>
                 <a:effectLst/>
                 <a:latin typeface="Arial" panose="020B0604020202020204" pitchFamily="34" charset="0"/>
-                <a:hlinkClick r:id="rId8" tooltip="Data"/>
+                <a:hlinkClick r:id="rId9" tooltip="Data"/>
               </a:rPr>
               <a:t>data</a:t>
             </a:r>
@@ -6001,7 +7039,7 @@
                 </a:solidFill>
                 <a:effectLst/>
                 <a:latin typeface="Arial" panose="020B0604020202020204" pitchFamily="34" charset="0"/>
-                <a:hlinkClick r:id="rId11" tooltip="Knowledge"/>
+                <a:hlinkClick r:id="rId12" tooltip="Knowledge"/>
               </a:rPr>
               <a:t>knowledge</a:t>
             </a:r>
@@ -6022,7 +7060,7 @@
                 </a:solidFill>
                 <a:effectLst/>
                 <a:latin typeface="Arial" panose="020B0604020202020204" pitchFamily="34" charset="0"/>
-                <a:hlinkClick r:id="rId19"/>
+                <a:hlinkClick r:id="rId20"/>
               </a:rPr>
               <a:t>[2]</a:t>
             </a:r>
@@ -6085,7 +7123,7 @@
                 </a:solidFill>
                 <a:effectLst/>
                 <a:latin typeface="Arial" panose="020B0604020202020204" pitchFamily="34" charset="0"/>
-                <a:hlinkClick r:id="rId20" tooltip="Message"/>
+                <a:hlinkClick r:id="rId21" tooltip="Message"/>
               </a:rPr>
               <a:t>message</a:t>
             </a:r>
@@ -6106,7 +7144,7 @@
                 </a:solidFill>
                 <a:effectLst/>
                 <a:latin typeface="Arial" panose="020B0604020202020204" pitchFamily="34" charset="0"/>
-                <a:hlinkClick r:id="rId21" tooltip="Observation"/>
+                <a:hlinkClick r:id="rId22" tooltip="Observation"/>
               </a:rPr>
               <a:t>observation</a:t>
             </a:r>
@@ -6127,7 +7165,7 @@
                 </a:solidFill>
                 <a:effectLst/>
                 <a:latin typeface="Arial" panose="020B0604020202020204" pitchFamily="34" charset="0"/>
-                <a:hlinkClick r:id="rId16" tooltip="Perception"/>
+                <a:hlinkClick r:id="rId17" tooltip="Perception"/>
               </a:rPr>
               <a:t>perceived</a:t>
             </a:r>
@@ -6165,7 +7203,7 @@
                 </a:solidFill>
                 <a:effectLst/>
                 <a:latin typeface="Arial" panose="020B0604020202020204" pitchFamily="34" charset="0"/>
-                <a:hlinkClick r:id="rId22" tooltip="Code"/>
+                <a:hlinkClick r:id="rId23" tooltip="Code"/>
               </a:rPr>
               <a:t>encoded</a:t>
             </a:r>
@@ -6186,7 +7224,7 @@
                 </a:solidFill>
                 <a:effectLst/>
                 <a:latin typeface="Arial" panose="020B0604020202020204" pitchFamily="34" charset="0"/>
-                <a:hlinkClick r:id="rId23" tooltip="Transmission (telecommunications)"/>
+                <a:hlinkClick r:id="rId24" tooltip="Transmission (telecommunications)"/>
               </a:rPr>
               <a:t>transmission</a:t>
             </a:r>
@@ -6207,7 +7245,7 @@
                 </a:solidFill>
                 <a:effectLst/>
                 <a:latin typeface="Arial" panose="020B0604020202020204" pitchFamily="34" charset="0"/>
-                <a:hlinkClick r:id="rId24" tooltip="Language interpretation"/>
+                <a:hlinkClick r:id="rId25" tooltip="Language interpretation"/>
               </a:rPr>
               <a:t>interpretation</a:t>
             </a:r>
@@ -6228,7 +7266,7 @@
                 </a:solidFill>
                 <a:effectLst/>
                 <a:latin typeface="Arial" panose="020B0604020202020204" pitchFamily="34" charset="0"/>
-                <a:hlinkClick r:id="rId25" tooltip="Sequence"/>
+                <a:hlinkClick r:id="rId26" tooltip="Sequence"/>
               </a:rPr>
               <a:t>sequence</a:t>
             </a:r>
@@ -6249,7 +7287,7 @@
                 </a:solidFill>
                 <a:effectLst/>
                 <a:latin typeface="Arial" panose="020B0604020202020204" pitchFamily="34" charset="0"/>
-                <a:hlinkClick r:id="rId26" tooltip="Sign (semiotics)"/>
+                <a:hlinkClick r:id="rId27" tooltip="Sign (semiotics)"/>
               </a:rPr>
               <a:t>signs</a:t>
             </a:r>
@@ -6270,7 +7308,7 @@
                 </a:solidFill>
                 <a:effectLst/>
                 <a:latin typeface="Arial" panose="020B0604020202020204" pitchFamily="34" charset="0"/>
-                <a:hlinkClick r:id="rId27" tooltip="Signal (electronics)"/>
+                <a:hlinkClick r:id="rId28" tooltip="Signal (electronics)"/>
               </a:rPr>
               <a:t>signal</a:t>
             </a:r>
@@ -6291,7 +7329,7 @@
                 </a:solidFill>
                 <a:effectLst/>
                 <a:latin typeface="Arial" panose="020B0604020202020204" pitchFamily="34" charset="0"/>
-                <a:hlinkClick r:id="rId28" tooltip="Encryption"/>
+                <a:hlinkClick r:id="rId29" tooltip="Encryption"/>
               </a:rPr>
               <a:t>encrypted</a:t>
             </a:r>
@@ -6318,6 +7356,13 @@
   <p:clrMapOvr>
     <a:masterClrMapping/>
   </p:clrMapOvr>
+  <p:timing>
+    <p:tnLst>
+      <p:par>
+        <p:cTn id="1" dur="indefinite" restart="never" nodeType="tmRoot"/>
+      </p:par>
+    </p:tnLst>
+  </p:timing>
 </p:sld>
 </file>
 
@@ -7965,7 +9010,7 @@
           <p:nvPr/>
         </p:nvPicPr>
         <p:blipFill>
-          <a:blip r:embed="rId2">
+          <a:blip r:embed="rId4">
             <a:extLst>
               <a:ext uri="{28A0092B-C50C-407E-A947-70E740481C1C}">
                 <a14:useLocalDpi xmlns:a14="http://schemas.microsoft.com/office/drawing/2010/main" val="0"/>
@@ -8001,7 +9046,7 @@
           <p:nvPr/>
         </p:nvPicPr>
         <p:blipFill>
-          <a:blip r:embed="rId3">
+          <a:blip r:embed="rId5">
             <a:extLst>
               <a:ext uri="{28A0092B-C50C-407E-A947-70E740481C1C}">
                 <a14:useLocalDpi xmlns:a14="http://schemas.microsoft.com/office/drawing/2010/main" val="0"/>
@@ -8037,7 +9082,7 @@
           <p:nvPr/>
         </p:nvPicPr>
         <p:blipFill>
-          <a:blip r:embed="rId2">
+          <a:blip r:embed="rId4">
             <a:extLst>
               <a:ext uri="{28A0092B-C50C-407E-A947-70E740481C1C}">
                 <a14:useLocalDpi xmlns:a14="http://schemas.microsoft.com/office/drawing/2010/main" val="0"/>
@@ -8073,7 +9118,7 @@
           <p:nvPr/>
         </p:nvPicPr>
         <p:blipFill>
-          <a:blip r:embed="rId3" cstate="hqprint">
+          <a:blip r:embed="rId5" cstate="hqprint">
             <a:extLst>
               <a:ext uri="{28A0092B-C50C-407E-A947-70E740481C1C}">
                 <a14:useLocalDpi xmlns:a14="http://schemas.microsoft.com/office/drawing/2010/main" val="0"/>
@@ -8098,6 +9143,140 @@
     <p:extLst>
       <p:ext uri="{BB962C8B-B14F-4D97-AF65-F5344CB8AC3E}">
         <p14:creationId xmlns:p14="http://schemas.microsoft.com/office/powerpoint/2010/main" val="4021416531"/>
+      </p:ext>
+    </p:extLst>
+  </p:cSld>
+  <p:clrMapOvr>
+    <a:masterClrMapping/>
+  </p:clrMapOvr>
+  <p:timing>
+    <p:tnLst>
+      <p:par>
+        <p:cTn id="1" dur="indefinite" restart="never" nodeType="tmRoot"/>
+      </p:par>
+    </p:tnLst>
+  </p:timing>
+</p:sld>
+</file>
+
+<file path=ppt/slides/slide14.xml><?xml version="1.0" encoding="utf-8"?>
+<p:sld xmlns:a="http://schemas.openxmlformats.org/drawingml/2006/main" xmlns:r="http://schemas.openxmlformats.org/officeDocument/2006/relationships" xmlns:p="http://schemas.openxmlformats.org/presentationml/2006/main">
+  <p:cSld>
+    <p:spTree>
+      <p:nvGrpSpPr>
+        <p:cNvPr id="1" name=""/>
+        <p:cNvGrpSpPr/>
+        <p:nvPr/>
+      </p:nvGrpSpPr>
+      <p:grpSpPr>
+        <a:xfrm>
+          <a:off x="0" y="0"/>
+          <a:ext cx="0" cy="0"/>
+          <a:chOff x="0" y="0"/>
+          <a:chExt cx="0" cy="0"/>
+        </a:xfrm>
+      </p:grpSpPr>
+      <p:sp>
+        <p:nvSpPr>
+          <p:cNvPr id="2" name="Title 1"/>
+          <p:cNvSpPr>
+            <a:spLocks noGrp="1"/>
+          </p:cNvSpPr>
+          <p:nvPr>
+            <p:ph type="title"/>
+          </p:nvPr>
+        </p:nvSpPr>
+        <p:spPr/>
+        <p:txBody>
+          <a:bodyPr/>
+          <a:lstStyle/>
+          <a:p>
+            <a:r>
+              <a:rPr lang="en-US" dirty="0"/>
+              <a:t>Design Trends &amp; Accessibility</a:t>
+            </a:r>
+            <a:endParaRPr lang="en-US" dirty="0"/>
+          </a:p>
+        </p:txBody>
+      </p:sp>
+      <p:sp>
+        <p:nvSpPr>
+          <p:cNvPr id="3" name="Content Placeholder 2"/>
+          <p:cNvSpPr>
+            <a:spLocks noGrp="1"/>
+          </p:cNvSpPr>
+          <p:nvPr>
+            <p:ph idx="1"/>
+          </p:nvPr>
+        </p:nvSpPr>
+        <p:spPr/>
+        <p:txBody>
+          <a:bodyPr/>
+          <a:lstStyle/>
+          <a:p>
+            <a:r>
+              <a:rPr lang="en-US" dirty="0" smtClean="0"/>
+              <a:t>Pantone in year</a:t>
+            </a:r>
+          </a:p>
+          <a:p>
+            <a:r>
+              <a:rPr lang="en-US" dirty="0" smtClean="0"/>
+              <a:t>Chọn 1 màu cho bài thuyết trình của bạn</a:t>
+            </a:r>
+          </a:p>
+          <a:p>
+            <a:pPr lvl="1"/>
+            <a:r>
+              <a:rPr lang="en-US" dirty="0"/>
+              <a:t>Check contrast: </a:t>
+            </a:r>
+            <a:r>
+              <a:rPr lang="en-US" dirty="0">
+                <a:hlinkClick r:id="rId2"/>
+              </a:rPr>
+              <a:t>https://</a:t>
+            </a:r>
+            <a:r>
+              <a:rPr lang="en-US" dirty="0" smtClean="0">
+                <a:hlinkClick r:id="rId2"/>
+              </a:rPr>
+              <a:t>color.adobe.com/create/color-contrast-analyzer</a:t>
+            </a:r>
+            <a:endParaRPr lang="en-US" dirty="0" smtClean="0"/>
+          </a:p>
+          <a:p>
+            <a:r>
+              <a:rPr lang="en-US" dirty="0" smtClean="0"/>
+              <a:t>Kiểm tra xu hướng thiết kế</a:t>
+            </a:r>
+          </a:p>
+          <a:p>
+            <a:pPr lvl="1"/>
+            <a:r>
+              <a:rPr lang="en-US" dirty="0">
+                <a:hlinkClick r:id="rId3"/>
+              </a:rPr>
+              <a:t>https://</a:t>
+            </a:r>
+            <a:r>
+              <a:rPr lang="en-US" dirty="0" smtClean="0">
+                <a:hlinkClick r:id="rId3"/>
+              </a:rPr>
+              <a:t>www.adobe.com/content/dam/cct/creativecloud/business/teams/whitepapers/creative-trends-report/FY22Q1_CC_Stock_Stock_UK_EN_CreativeTrendsInsightsGuide.pdf</a:t>
+            </a:r>
+            <a:endParaRPr lang="en-US" dirty="0" smtClean="0"/>
+          </a:p>
+          <a:p>
+            <a:pPr lvl="1"/>
+            <a:endParaRPr lang="en-US" dirty="0" smtClean="0"/>
+          </a:p>
+        </p:txBody>
+      </p:sp>
+    </p:spTree>
+    <p:extLst>
+      <p:ext uri="{BB962C8B-B14F-4D97-AF65-F5344CB8AC3E}">
+        <p14:creationId xmlns:p14="http://schemas.microsoft.com/office/powerpoint/2010/main" val="459068110"/>
       </p:ext>
     </p:extLst>
   </p:cSld>
@@ -8430,6 +9609,13 @@
   <p:clrMapOvr>
     <a:masterClrMapping/>
   </p:clrMapOvr>
+  <p:timing>
+    <p:tnLst>
+      <p:par>
+        <p:cTn id="1" dur="indefinite" restart="never" nodeType="tmRoot"/>
+      </p:par>
+    </p:tnLst>
+  </p:timing>
 </p:sld>
 </file>
 
@@ -8485,7 +9671,7 @@
             <p:nvPr/>
           </p:nvPicPr>
           <p:blipFill rotWithShape="1">
-            <a:blip r:embed="rId2">
+            <a:blip r:embed="rId3">
               <a:extLst>
                 <a:ext uri="{28A0092B-C50C-407E-A947-70E740481C1C}">
                   <a14:useLocalDpi xmlns:a14="http://schemas.microsoft.com/office/drawing/2010/main" val="0"/>
@@ -8590,8 +9776,67 @@
           <a:prstGeom prst="ellipse">
             <a:avLst/>
           </a:prstGeom>
+          <a:gradFill>
+            <a:gsLst>
+              <a:gs pos="0">
+                <a:srgbClr val="4472C4"/>
+              </a:gs>
+              <a:gs pos="100000">
+                <a:srgbClr val="A20E1C"/>
+              </a:gs>
+            </a:gsLst>
+            <a:lin ang="5400000" scaled="1"/>
+          </a:gradFill>
+        </p:spPr>
+        <p:style>
+          <a:lnRef idx="2">
+            <a:schemeClr val="accent1">
+              <a:shade val="50000"/>
+            </a:schemeClr>
+          </a:lnRef>
+          <a:fillRef idx="1">
+            <a:schemeClr val="accent1"/>
+          </a:fillRef>
+          <a:effectRef idx="0">
+            <a:schemeClr val="accent1"/>
+          </a:effectRef>
+          <a:fontRef idx="minor">
+            <a:schemeClr val="lt1"/>
+          </a:fontRef>
+        </p:style>
+        <p:txBody>
+          <a:bodyPr rtlCol="0" anchor="ctr"/>
+          <a:lstStyle/>
+          <a:p>
+            <a:pPr algn="ctr"/>
+            <a:endParaRPr lang="pl-PL" dirty="0"/>
+          </a:p>
+        </p:txBody>
+      </p:sp>
+      <p:sp>
+        <p:nvSpPr>
+          <p:cNvPr id="7" name="Pentagon 6">
+            <a:extLst>
+              <a:ext uri="{FF2B5EF4-FFF2-40B4-BE49-F238E27FC236}">
+                <a16:creationId xmlns:a16="http://schemas.microsoft.com/office/drawing/2014/main" id="{84707EB8-5185-4A0B-9670-F938875B08E1}"/>
+              </a:ext>
+            </a:extLst>
+          </p:cNvPr>
+          <p:cNvSpPr/>
+          <p:nvPr/>
+        </p:nvSpPr>
+        <p:spPr>
+          <a:xfrm>
+            <a:off x="8479109" y="2507273"/>
+            <a:ext cx="2669360" cy="2542248"/>
+          </a:xfrm>
+          <a:prstGeom prst="pentagon">
+            <a:avLst/>
+          </a:prstGeom>
           <a:solidFill>
-            <a:schemeClr val="accent1"/>
+            <a:schemeClr val="accent1">
+              <a:alpha val="42000"/>
+            </a:schemeClr>
           </a:solidFill>
         </p:spPr>
         <p:style>
@@ -8615,52 +9860,6 @@
           <a:lstStyle/>
           <a:p>
             <a:pPr algn="ctr"/>
-            <a:endParaRPr lang="pl-PL" dirty="0"/>
-          </a:p>
-        </p:txBody>
-      </p:sp>
-      <p:sp>
-        <p:nvSpPr>
-          <p:cNvPr id="7" name="Pentagon 6">
-            <a:extLst>
-              <a:ext uri="{FF2B5EF4-FFF2-40B4-BE49-F238E27FC236}">
-                <a16:creationId xmlns:a16="http://schemas.microsoft.com/office/drawing/2014/main" id="{84707EB8-5185-4A0B-9670-F938875B08E1}"/>
-              </a:ext>
-            </a:extLst>
-          </p:cNvPr>
-          <p:cNvSpPr/>
-          <p:nvPr/>
-        </p:nvSpPr>
-        <p:spPr>
-          <a:xfrm>
-            <a:off x="8479109" y="2507273"/>
-            <a:ext cx="2669360" cy="2542248"/>
-          </a:xfrm>
-          <a:prstGeom prst="pentagon">
-            <a:avLst/>
-          </a:prstGeom>
-        </p:spPr>
-        <p:style>
-          <a:lnRef idx="2">
-            <a:schemeClr val="accent1">
-              <a:shade val="50000"/>
-            </a:schemeClr>
-          </a:lnRef>
-          <a:fillRef idx="1">
-            <a:schemeClr val="accent1"/>
-          </a:fillRef>
-          <a:effectRef idx="0">
-            <a:schemeClr val="accent1"/>
-          </a:effectRef>
-          <a:fontRef idx="minor">
-            <a:schemeClr val="lt1"/>
-          </a:fontRef>
-        </p:style>
-        <p:txBody>
-          <a:bodyPr rtlCol="0" anchor="ctr"/>
-          <a:lstStyle/>
-          <a:p>
-            <a:pPr algn="ctr"/>
             <a:endParaRPr lang="pl-PL"/>
           </a:p>
         </p:txBody>
@@ -8680,7 +9879,7 @@
           <p:nvPr/>
         </p:nvPicPr>
         <p:blipFill rotWithShape="1">
-          <a:blip r:embed="rId3" cstate="email">
+          <a:blip r:embed="rId4" cstate="email">
             <a:extLst>
               <a:ext uri="{28A0092B-C50C-407E-A947-70E740481C1C}">
                 <a14:useLocalDpi xmlns:a14="http://schemas.microsoft.com/office/drawing/2010/main"/>
@@ -8699,8 +9898,10 @@
             <a:avLst/>
           </a:prstGeom>
           <a:noFill/>
-          <a:ln>
-            <a:noFill/>
+          <a:ln w="254000">
+            <a:solidFill>
+              <a:schemeClr val="tx1"/>
+            </a:solidFill>
           </a:ln>
         </p:spPr>
       </p:pic>
@@ -9101,6 +10302,13 @@
   <p:clrMapOvr>
     <a:masterClrMapping/>
   </p:clrMapOvr>
+  <p:timing>
+    <p:tnLst>
+      <p:par>
+        <p:cTn id="1" dur="indefinite" restart="never" nodeType="tmRoot"/>
+      </p:par>
+    </p:tnLst>
+  </p:timing>
 </p:sld>
 </file>
 
@@ -9136,11 +10344,11 @@
           <p:nvPr/>
         </p:nvPicPr>
         <p:blipFill rotWithShape="1">
-          <a:blip r:embed="rId2">
+          <a:blip r:embed="rId3">
             <a:extLst>
               <a:ext uri="{BEBA8EAE-BF5A-486C-A8C5-ECC9F3942E4B}">
                 <a14:imgProps xmlns:a14="http://schemas.microsoft.com/office/drawing/2010/main">
-                  <a14:imgLayer r:embed="rId3">
+                  <a14:imgLayer r:embed="rId4">
                     <a14:imgEffect>
                       <a14:brightnessContrast bright="-40000" contrast="20000"/>
                     </a14:imgEffect>
@@ -9396,7 +10604,7 @@
               <p:nvPr/>
             </p:nvPicPr>
             <p:blipFill>
-              <a:blip r:embed="rId4">
+              <a:blip r:embed="rId5">
                 <a:extLst>
                   <a:ext uri="{28A0092B-C50C-407E-A947-70E740481C1C}">
                     <a14:useLocalDpi xmlns:a14="http://schemas.microsoft.com/office/drawing/2010/main" val="0"/>
@@ -9595,7 +10803,7 @@
               <p:nvPr/>
             </p:nvPicPr>
             <p:blipFill>
-              <a:blip r:embed="rId5">
+              <a:blip r:embed="rId6">
                 <a:extLst>
                   <a:ext uri="{28A0092B-C50C-407E-A947-70E740481C1C}">
                     <a14:useLocalDpi xmlns:a14="http://schemas.microsoft.com/office/drawing/2010/main" val="0"/>
@@ -9794,7 +11002,7 @@
               <p:nvPr/>
             </p:nvPicPr>
             <p:blipFill>
-              <a:blip r:embed="rId6">
+              <a:blip r:embed="rId7">
                 <a:extLst>
                   <a:ext uri="{28A0092B-C50C-407E-A947-70E740481C1C}">
                     <a14:useLocalDpi xmlns:a14="http://schemas.microsoft.com/office/drawing/2010/main" val="0"/>
@@ -9905,6 +11113,54 @@
           </p:style>
         </p:cxnSp>
       </p:grpSp>
+      <p:sp>
+        <p:nvSpPr>
+          <p:cNvPr id="2" name="Isosceles Triangle 1"/>
+          <p:cNvSpPr/>
+          <p:nvPr/>
+        </p:nvSpPr>
+        <p:spPr>
+          <a:xfrm>
+            <a:off x="9118045" y="3606800"/>
+            <a:ext cx="1245155" cy="1837138"/>
+          </a:xfrm>
+          <a:prstGeom prst="triangle">
+            <a:avLst/>
+          </a:prstGeom>
+          <a:solidFill>
+            <a:srgbClr val="FFC800">
+              <a:alpha val="50000"/>
+            </a:srgbClr>
+          </a:solidFill>
+          <a:ln>
+            <a:noFill/>
+          </a:ln>
+        </p:spPr>
+        <p:style>
+          <a:lnRef idx="2">
+            <a:schemeClr val="accent1">
+              <a:shade val="50000"/>
+            </a:schemeClr>
+          </a:lnRef>
+          <a:fillRef idx="1">
+            <a:schemeClr val="accent1"/>
+          </a:fillRef>
+          <a:effectRef idx="0">
+            <a:schemeClr val="accent1"/>
+          </a:effectRef>
+          <a:fontRef idx="minor">
+            <a:schemeClr val="lt1"/>
+          </a:fontRef>
+        </p:style>
+        <p:txBody>
+          <a:bodyPr rtlCol="0" anchor="ctr"/>
+          <a:lstStyle/>
+          <a:p>
+            <a:pPr algn="ctr"/>
+            <a:endParaRPr lang="en-US"/>
+          </a:p>
+        </p:txBody>
+      </p:sp>
     </p:spTree>
     <p:extLst>
       <p:ext uri="{BB962C8B-B14F-4D97-AF65-F5344CB8AC3E}">
@@ -9927,6 +11183,13 @@
       </p:transition>
     </mc:Fallback>
   </mc:AlternateContent>
+  <p:timing>
+    <p:tnLst>
+      <p:par>
+        <p:cTn id="1" dur="indefinite" restart="never" nodeType="tmRoot"/>
+      </p:par>
+    </p:tnLst>
+  </p:timing>
 </p:sld>
 </file>
 
@@ -10677,7 +11940,7 @@
             <p:nvPr/>
           </p:nvPicPr>
           <p:blipFill>
-            <a:blip r:embed="rId2">
+            <a:blip r:embed="rId3">
               <a:extLst>
                 <a:ext uri="{28A0092B-C50C-407E-A947-70E740481C1C}">
                   <a14:useLocalDpi xmlns:a14="http://schemas.microsoft.com/office/drawing/2010/main" val="0"/>
@@ -10707,7 +11970,7 @@
             <p:nvPr/>
           </p:nvPicPr>
           <p:blipFill>
-            <a:blip r:embed="rId3">
+            <a:blip r:embed="rId4">
               <a:extLst>
                 <a:ext uri="{28A0092B-C50C-407E-A947-70E740481C1C}">
                   <a14:useLocalDpi xmlns:a14="http://schemas.microsoft.com/office/drawing/2010/main" val="0"/>
@@ -10737,7 +12000,7 @@
             <p:nvPr/>
           </p:nvPicPr>
           <p:blipFill>
-            <a:blip r:embed="rId4">
+            <a:blip r:embed="rId5">
               <a:extLst>
                 <a:ext uri="{28A0092B-C50C-407E-A947-70E740481C1C}">
                   <a14:useLocalDpi xmlns:a14="http://schemas.microsoft.com/office/drawing/2010/main" val="0"/>
@@ -10971,6 +12234,52 @@
               <a:ea typeface="Open Sans" panose="020B0606030504020204" pitchFamily="34" charset="0"/>
               <a:cs typeface="Open Sans" panose="020B0606030504020204" pitchFamily="34" charset="0"/>
             </a:endParaRPr>
+          </a:p>
+        </p:txBody>
+      </p:sp>
+      <p:sp>
+        <p:nvSpPr>
+          <p:cNvPr id="6" name="Rounded Rectangle 5"/>
+          <p:cNvSpPr/>
+          <p:nvPr/>
+        </p:nvSpPr>
+        <p:spPr>
+          <a:xfrm>
+            <a:off x="3427431" y="2781300"/>
+            <a:ext cx="2058969" cy="1908956"/>
+          </a:xfrm>
+          <a:prstGeom prst="roundRect">
+            <a:avLst/>
+          </a:prstGeom>
+          <a:solidFill>
+            <a:srgbClr val="FFD025"/>
+          </a:solidFill>
+          <a:ln>
+            <a:noFill/>
+          </a:ln>
+        </p:spPr>
+        <p:style>
+          <a:lnRef idx="2">
+            <a:schemeClr val="accent1">
+              <a:shade val="50000"/>
+            </a:schemeClr>
+          </a:lnRef>
+          <a:fillRef idx="1">
+            <a:schemeClr val="accent1"/>
+          </a:fillRef>
+          <a:effectRef idx="0">
+            <a:schemeClr val="accent1"/>
+          </a:effectRef>
+          <a:fontRef idx="minor">
+            <a:schemeClr val="lt1"/>
+          </a:fontRef>
+        </p:style>
+        <p:txBody>
+          <a:bodyPr rtlCol="0" anchor="ctr"/>
+          <a:lstStyle/>
+          <a:p>
+            <a:pPr algn="ctr"/>
+            <a:endParaRPr lang="en-US" sz="2800"/>
           </a:p>
         </p:txBody>
       </p:sp>
@@ -11476,6 +12785,148 @@
                                   </p:childTnLst>
                                 </p:cTn>
                               </p:par>
+                              <p:par>
+                                <p:cTn id="43" presetID="53" presetClass="entr" presetSubtype="16" fill="hold" grpId="0" nodeType="withEffect">
+                                  <p:stCondLst>
+                                    <p:cond delay="0"/>
+                                  </p:stCondLst>
+                                  <p:childTnLst>
+                                    <p:set>
+                                      <p:cBhvr>
+                                        <p:cTn id="44" dur="1" fill="hold">
+                                          <p:stCondLst>
+                                            <p:cond delay="0"/>
+                                          </p:stCondLst>
+                                        </p:cTn>
+                                        <p:tgtEl>
+                                          <p:spTgt spid="6"/>
+                                        </p:tgtEl>
+                                        <p:attrNameLst>
+                                          <p:attrName>style.visibility</p:attrName>
+                                        </p:attrNameLst>
+                                      </p:cBhvr>
+                                      <p:to>
+                                        <p:strVal val="visible"/>
+                                      </p:to>
+                                    </p:set>
+                                    <p:anim calcmode="lin" valueType="num">
+                                      <p:cBhvr>
+                                        <p:cTn id="45" dur="750" fill="hold"/>
+                                        <p:tgtEl>
+                                          <p:spTgt spid="6"/>
+                                        </p:tgtEl>
+                                        <p:attrNameLst>
+                                          <p:attrName>ppt_w</p:attrName>
+                                        </p:attrNameLst>
+                                      </p:cBhvr>
+                                      <p:tavLst>
+                                        <p:tav tm="0">
+                                          <p:val>
+                                            <p:fltVal val="0"/>
+                                          </p:val>
+                                        </p:tav>
+                                        <p:tav tm="100000">
+                                          <p:val>
+                                            <p:strVal val="#ppt_w"/>
+                                          </p:val>
+                                        </p:tav>
+                                      </p:tavLst>
+                                    </p:anim>
+                                    <p:anim calcmode="lin" valueType="num">
+                                      <p:cBhvr>
+                                        <p:cTn id="46" dur="750" fill="hold"/>
+                                        <p:tgtEl>
+                                          <p:spTgt spid="6"/>
+                                        </p:tgtEl>
+                                        <p:attrNameLst>
+                                          <p:attrName>ppt_h</p:attrName>
+                                        </p:attrNameLst>
+                                      </p:cBhvr>
+                                      <p:tavLst>
+                                        <p:tav tm="0">
+                                          <p:val>
+                                            <p:fltVal val="0"/>
+                                          </p:val>
+                                        </p:tav>
+                                        <p:tav tm="100000">
+                                          <p:val>
+                                            <p:strVal val="#ppt_h"/>
+                                          </p:val>
+                                        </p:tav>
+                                      </p:tavLst>
+                                    </p:anim>
+                                    <p:animEffect transition="in" filter="fade">
+                                      <p:cBhvr>
+                                        <p:cTn id="47" dur="750"/>
+                                        <p:tgtEl>
+                                          <p:spTgt spid="6"/>
+                                        </p:tgtEl>
+                                      </p:cBhvr>
+                                    </p:animEffect>
+                                  </p:childTnLst>
+                                </p:cTn>
+                              </p:par>
+                              <p:par>
+                                <p:cTn id="48" presetID="26" presetClass="emph" presetSubtype="0" fill="hold" grpId="1" nodeType="withEffect">
+                                  <p:stCondLst>
+                                    <p:cond delay="1000"/>
+                                  </p:stCondLst>
+                                  <p:childTnLst>
+                                    <p:animEffect transition="out" filter="fade">
+                                      <p:cBhvr>
+                                        <p:cTn id="49" dur="500" tmFilter="0, 0; .2, .5; .8, .5; 1, 0"/>
+                                        <p:tgtEl>
+                                          <p:spTgt spid="6"/>
+                                        </p:tgtEl>
+                                      </p:cBhvr>
+                                    </p:animEffect>
+                                    <p:animScale>
+                                      <p:cBhvr>
+                                        <p:cTn id="50" dur="250" autoRev="1" fill="hold"/>
+                                        <p:tgtEl>
+                                          <p:spTgt spid="6"/>
+                                        </p:tgtEl>
+                                      </p:cBhvr>
+                                      <p:by x="105000" y="105000"/>
+                                    </p:animScale>
+                                  </p:childTnLst>
+                                </p:cTn>
+                              </p:par>
+                              <p:par>
+                                <p:cTn id="51" presetID="10" presetClass="exit" presetSubtype="0" fill="hold" grpId="2" nodeType="withEffect">
+                                  <p:stCondLst>
+                                    <p:cond delay="1750"/>
+                                  </p:stCondLst>
+                                  <p:childTnLst>
+                                    <p:animEffect transition="out" filter="fade">
+                                      <p:cBhvr>
+                                        <p:cTn id="52" dur="500"/>
+                                        <p:tgtEl>
+                                          <p:spTgt spid="6"/>
+                                        </p:tgtEl>
+                                      </p:cBhvr>
+                                    </p:animEffect>
+                                    <p:set>
+                                      <p:cBhvr>
+                                        <p:cTn id="53" dur="1" fill="hold">
+                                          <p:stCondLst>
+                                            <p:cond delay="499"/>
+                                          </p:stCondLst>
+                                        </p:cTn>
+                                        <p:tgtEl>
+                                          <p:spTgt spid="6"/>
+                                        </p:tgtEl>
+                                        <p:attrNameLst>
+                                          <p:attrName>style.visibility</p:attrName>
+                                        </p:attrNameLst>
+                                      </p:cBhvr>
+                                      <p:to>
+                                        <p:strVal val="hidden"/>
+                                      </p:to>
+                                    </p:set>
+                                  </p:childTnLst>
+                                </p:cTn>
+                              </p:par>
                             </p:childTnLst>
                           </p:cTn>
                         </p:par>
@@ -11511,6 +12962,9 @@
       <p:bldP spid="16" grpId="0" animBg="1"/>
       <p:bldP spid="17" grpId="0" animBg="1"/>
       <p:bldP spid="18" grpId="0" animBg="1"/>
+      <p:bldP spid="6" grpId="0" animBg="1"/>
+      <p:bldP spid="6" grpId="1" animBg="1"/>
+      <p:bldP spid="6" grpId="2" animBg="1"/>
     </p:bldLst>
   </p:timing>
 </p:sld>
@@ -12366,6 +13820,13 @@
   <p:clrMapOvr>
     <a:masterClrMapping/>
   </p:clrMapOvr>
+  <p:timing>
+    <p:tnLst>
+      <p:par>
+        <p:cTn id="1" dur="indefinite" restart="never" nodeType="tmRoot"/>
+      </p:par>
+    </p:tnLst>
+  </p:timing>
 </p:sld>
 </file>
 
@@ -12421,11 +13882,11 @@
             <p:nvPr/>
           </p:nvPicPr>
           <p:blipFill rotWithShape="1">
-            <a:blip r:embed="rId2">
+            <a:blip r:embed="rId3">
               <a:extLst>
                 <a:ext uri="{BEBA8EAE-BF5A-486C-A8C5-ECC9F3942E4B}">
                   <a14:imgProps xmlns:a14="http://schemas.microsoft.com/office/drawing/2010/main">
-                    <a14:imgLayer r:embed="rId3">
+                    <a14:imgLayer r:embed="rId4">
                       <a14:imgEffect>
                         <a14:brightnessContrast bright="-20000" contrast="-40000"/>
                       </a14:imgEffect>
@@ -12960,7 +14421,7 @@
             <p:nvPr/>
           </p:nvPicPr>
           <p:blipFill rotWithShape="1">
-            <a:blip r:embed="rId4">
+            <a:blip r:embed="rId5">
               <a:extLst>
                 <a:ext uri="{28A0092B-C50C-407E-A947-70E740481C1C}">
                   <a14:useLocalDpi xmlns:a14="http://schemas.microsoft.com/office/drawing/2010/main" val="0"/>
@@ -13122,7 +14583,7 @@
           <p:nvPr/>
         </p:nvPicPr>
         <p:blipFill>
-          <a:blip r:embed="rId5">
+          <a:blip r:embed="rId6">
             <a:extLst>
               <a:ext uri="{28A0092B-C50C-407E-A947-70E740481C1C}">
                 <a14:useLocalDpi xmlns:a14="http://schemas.microsoft.com/office/drawing/2010/main" val="0"/>
@@ -13153,6 +14614,13 @@
   <p:clrMapOvr>
     <a:masterClrMapping/>
   </p:clrMapOvr>
+  <p:timing>
+    <p:tnLst>
+      <p:par>
+        <p:cTn id="1" dur="indefinite" restart="never" nodeType="tmRoot"/>
+      </p:par>
+    </p:tnLst>
+  </p:timing>
 </p:sld>
 </file>
 
@@ -13455,8 +14923,8 @@
         </p:nvSpPr>
         <p:spPr>
           <a:xfrm rot="16200000">
-            <a:off x="6415002" y="-578083"/>
-            <a:ext cx="5198922" cy="6355079"/>
+            <a:off x="6345883" y="-510005"/>
+            <a:ext cx="5337159" cy="6355079"/>
           </a:xfrm>
           <a:custGeom>
             <a:avLst/>
@@ -13661,6 +15129,132 @@
               <a:gd name="connsiteY3" fmla="*/ 10000 h 10000"/>
               <a:gd name="connsiteX4" fmla="*/ 4 w 10004"/>
               <a:gd name="connsiteY4" fmla="*/ 2000 h 10000"/>
+              <a:gd name="connsiteX0" fmla="*/ 1097 w 10001"/>
+              <a:gd name="connsiteY0" fmla="*/ 1835 h 10000"/>
+              <a:gd name="connsiteX1" fmla="*/ 10001 w 10001"/>
+              <a:gd name="connsiteY1" fmla="*/ 0 h 10000"/>
+              <a:gd name="connsiteX2" fmla="*/ 10001 w 10001"/>
+              <a:gd name="connsiteY2" fmla="*/ 10000 h 10000"/>
+              <a:gd name="connsiteX3" fmla="*/ 1 w 10001"/>
+              <a:gd name="connsiteY3" fmla="*/ 10000 h 10000"/>
+              <a:gd name="connsiteX4" fmla="*/ 1097 w 10001"/>
+              <a:gd name="connsiteY4" fmla="*/ 1835 h 10000"/>
+              <a:gd name="connsiteX0" fmla="*/ 1364 w 10268"/>
+              <a:gd name="connsiteY0" fmla="*/ 1835 h 10000"/>
+              <a:gd name="connsiteX1" fmla="*/ 10268 w 10268"/>
+              <a:gd name="connsiteY1" fmla="*/ 0 h 10000"/>
+              <a:gd name="connsiteX2" fmla="*/ 10268 w 10268"/>
+              <a:gd name="connsiteY2" fmla="*/ 10000 h 10000"/>
+              <a:gd name="connsiteX3" fmla="*/ 268 w 10268"/>
+              <a:gd name="connsiteY3" fmla="*/ 10000 h 10000"/>
+              <a:gd name="connsiteX4" fmla="*/ 1364 w 10268"/>
+              <a:gd name="connsiteY4" fmla="*/ 1835 h 10000"/>
+              <a:gd name="connsiteX0" fmla="*/ 1364 w 10268"/>
+              <a:gd name="connsiteY0" fmla="*/ 1835 h 10000"/>
+              <a:gd name="connsiteX1" fmla="*/ 4614 w 10268"/>
+              <a:gd name="connsiteY1" fmla="*/ 1218 h 10000"/>
+              <a:gd name="connsiteX2" fmla="*/ 10268 w 10268"/>
+              <a:gd name="connsiteY2" fmla="*/ 0 h 10000"/>
+              <a:gd name="connsiteX3" fmla="*/ 10268 w 10268"/>
+              <a:gd name="connsiteY3" fmla="*/ 10000 h 10000"/>
+              <a:gd name="connsiteX4" fmla="*/ 268 w 10268"/>
+              <a:gd name="connsiteY4" fmla="*/ 10000 h 10000"/>
+              <a:gd name="connsiteX5" fmla="*/ 1364 w 10268"/>
+              <a:gd name="connsiteY5" fmla="*/ 1835 h 10000"/>
+              <a:gd name="connsiteX0" fmla="*/ 1364 w 10268"/>
+              <a:gd name="connsiteY0" fmla="*/ 1835 h 10000"/>
+              <a:gd name="connsiteX1" fmla="*/ 4614 w 10268"/>
+              <a:gd name="connsiteY1" fmla="*/ 1218 h 10000"/>
+              <a:gd name="connsiteX2" fmla="*/ 7355 w 10268"/>
+              <a:gd name="connsiteY2" fmla="*/ 675 h 10000"/>
+              <a:gd name="connsiteX3" fmla="*/ 10268 w 10268"/>
+              <a:gd name="connsiteY3" fmla="*/ 0 h 10000"/>
+              <a:gd name="connsiteX4" fmla="*/ 10268 w 10268"/>
+              <a:gd name="connsiteY4" fmla="*/ 10000 h 10000"/>
+              <a:gd name="connsiteX5" fmla="*/ 268 w 10268"/>
+              <a:gd name="connsiteY5" fmla="*/ 10000 h 10000"/>
+              <a:gd name="connsiteX6" fmla="*/ 1364 w 10268"/>
+              <a:gd name="connsiteY6" fmla="*/ 1835 h 10000"/>
+              <a:gd name="connsiteX0" fmla="*/ 1364 w 10297"/>
+              <a:gd name="connsiteY0" fmla="*/ 1835 h 10000"/>
+              <a:gd name="connsiteX1" fmla="*/ 4614 w 10297"/>
+              <a:gd name="connsiteY1" fmla="*/ 1218 h 10000"/>
+              <a:gd name="connsiteX2" fmla="*/ 7355 w 10297"/>
+              <a:gd name="connsiteY2" fmla="*/ 675 h 10000"/>
+              <a:gd name="connsiteX3" fmla="*/ 10268 w 10297"/>
+              <a:gd name="connsiteY3" fmla="*/ 0 h 10000"/>
+              <a:gd name="connsiteX4" fmla="*/ 10297 w 10297"/>
+              <a:gd name="connsiteY4" fmla="*/ 2798 h 10000"/>
+              <a:gd name="connsiteX5" fmla="*/ 10268 w 10297"/>
+              <a:gd name="connsiteY5" fmla="*/ 10000 h 10000"/>
+              <a:gd name="connsiteX6" fmla="*/ 268 w 10297"/>
+              <a:gd name="connsiteY6" fmla="*/ 10000 h 10000"/>
+              <a:gd name="connsiteX7" fmla="*/ 1364 w 10297"/>
+              <a:gd name="connsiteY7" fmla="*/ 1835 h 10000"/>
+              <a:gd name="connsiteX0" fmla="*/ 1364 w 10268"/>
+              <a:gd name="connsiteY0" fmla="*/ 1835 h 10000"/>
+              <a:gd name="connsiteX1" fmla="*/ 4614 w 10268"/>
+              <a:gd name="connsiteY1" fmla="*/ 1218 h 10000"/>
+              <a:gd name="connsiteX2" fmla="*/ 7355 w 10268"/>
+              <a:gd name="connsiteY2" fmla="*/ 675 h 10000"/>
+              <a:gd name="connsiteX3" fmla="*/ 10268 w 10268"/>
+              <a:gd name="connsiteY3" fmla="*/ 0 h 10000"/>
+              <a:gd name="connsiteX4" fmla="*/ 9951 w 10268"/>
+              <a:gd name="connsiteY4" fmla="*/ 6997 h 10000"/>
+              <a:gd name="connsiteX5" fmla="*/ 10268 w 10268"/>
+              <a:gd name="connsiteY5" fmla="*/ 10000 h 10000"/>
+              <a:gd name="connsiteX6" fmla="*/ 268 w 10268"/>
+              <a:gd name="connsiteY6" fmla="*/ 10000 h 10000"/>
+              <a:gd name="connsiteX7" fmla="*/ 1364 w 10268"/>
+              <a:gd name="connsiteY7" fmla="*/ 1835 h 10000"/>
+              <a:gd name="connsiteX0" fmla="*/ 1364 w 10845"/>
+              <a:gd name="connsiteY0" fmla="*/ 1835 h 10000"/>
+              <a:gd name="connsiteX1" fmla="*/ 4614 w 10845"/>
+              <a:gd name="connsiteY1" fmla="*/ 1218 h 10000"/>
+              <a:gd name="connsiteX2" fmla="*/ 7355 w 10845"/>
+              <a:gd name="connsiteY2" fmla="*/ 675 h 10000"/>
+              <a:gd name="connsiteX3" fmla="*/ 10268 w 10845"/>
+              <a:gd name="connsiteY3" fmla="*/ 0 h 10000"/>
+              <a:gd name="connsiteX4" fmla="*/ 10845 w 10845"/>
+              <a:gd name="connsiteY4" fmla="*/ 8672 h 10000"/>
+              <a:gd name="connsiteX5" fmla="*/ 10268 w 10845"/>
+              <a:gd name="connsiteY5" fmla="*/ 10000 h 10000"/>
+              <a:gd name="connsiteX6" fmla="*/ 268 w 10845"/>
+              <a:gd name="connsiteY6" fmla="*/ 10000 h 10000"/>
+              <a:gd name="connsiteX7" fmla="*/ 1364 w 10845"/>
+              <a:gd name="connsiteY7" fmla="*/ 1835 h 10000"/>
+              <a:gd name="connsiteX0" fmla="*/ 1364 w 10269"/>
+              <a:gd name="connsiteY0" fmla="*/ 1835 h 10000"/>
+              <a:gd name="connsiteX1" fmla="*/ 4614 w 10269"/>
+              <a:gd name="connsiteY1" fmla="*/ 1218 h 10000"/>
+              <a:gd name="connsiteX2" fmla="*/ 7355 w 10269"/>
+              <a:gd name="connsiteY2" fmla="*/ 675 h 10000"/>
+              <a:gd name="connsiteX3" fmla="*/ 10268 w 10269"/>
+              <a:gd name="connsiteY3" fmla="*/ 0 h 10000"/>
+              <a:gd name="connsiteX4" fmla="*/ 10239 w 10269"/>
+              <a:gd name="connsiteY4" fmla="*/ 6927 h 10000"/>
+              <a:gd name="connsiteX5" fmla="*/ 10268 w 10269"/>
+              <a:gd name="connsiteY5" fmla="*/ 10000 h 10000"/>
+              <a:gd name="connsiteX6" fmla="*/ 268 w 10269"/>
+              <a:gd name="connsiteY6" fmla="*/ 10000 h 10000"/>
+              <a:gd name="connsiteX7" fmla="*/ 1364 w 10269"/>
+              <a:gd name="connsiteY7" fmla="*/ 1835 h 10000"/>
+              <a:gd name="connsiteX0" fmla="*/ 1364 w 10270"/>
+              <a:gd name="connsiteY0" fmla="*/ 1835 h 10000"/>
+              <a:gd name="connsiteX1" fmla="*/ 4614 w 10270"/>
+              <a:gd name="connsiteY1" fmla="*/ 1218 h 10000"/>
+              <a:gd name="connsiteX2" fmla="*/ 7355 w 10270"/>
+              <a:gd name="connsiteY2" fmla="*/ 675 h 10000"/>
+              <a:gd name="connsiteX3" fmla="*/ 10268 w 10270"/>
+              <a:gd name="connsiteY3" fmla="*/ 0 h 10000"/>
+              <a:gd name="connsiteX4" fmla="*/ 10239 w 10270"/>
+              <a:gd name="connsiteY4" fmla="*/ 6927 h 10000"/>
+              <a:gd name="connsiteX5" fmla="*/ 10268 w 10270"/>
+              <a:gd name="connsiteY5" fmla="*/ 10000 h 10000"/>
+              <a:gd name="connsiteX6" fmla="*/ 268 w 10270"/>
+              <a:gd name="connsiteY6" fmla="*/ 10000 h 10000"/>
+              <a:gd name="connsiteX7" fmla="*/ 1364 w 10270"/>
+              <a:gd name="connsiteY7" fmla="*/ 1835 h 10000"/>
             </a:gdLst>
             <a:ahLst/>
             <a:cxnLst>
@@ -13679,26 +15273,48 @@
               <a:cxn ang="0">
                 <a:pos x="connsiteX4" y="connsiteY4"/>
               </a:cxn>
+              <a:cxn ang="0">
+                <a:pos x="connsiteX5" y="connsiteY5"/>
+              </a:cxn>
+              <a:cxn ang="0">
+                <a:pos x="connsiteX6" y="connsiteY6"/>
+              </a:cxn>
+              <a:cxn ang="0">
+                <a:pos x="connsiteX7" y="connsiteY7"/>
+              </a:cxn>
             </a:cxnLst>
             <a:rect l="l" t="t" r="r" b="b"/>
             <a:pathLst>
-              <a:path w="10004" h="10000">
+              <a:path w="10270" h="10000">
                 <a:moveTo>
-                  <a:pt x="4" y="2000"/>
+                  <a:pt x="1364" y="1835"/>
                 </a:moveTo>
                 <a:lnTo>
-                  <a:pt x="10004" y="0"/>
+                  <a:pt x="4614" y="1218"/>
                 </a:lnTo>
                 <a:lnTo>
-                  <a:pt x="10004" y="10000"/>
+                  <a:pt x="7355" y="675"/>
                 </a:lnTo>
                 <a:lnTo>
-                  <a:pt x="4" y="10000"/>
+                  <a:pt x="10268" y="0"/>
                 </a:lnTo>
                 <a:cubicBezTo>
-                  <a:pt x="-21" y="5790"/>
-                  <a:pt x="73" y="4615"/>
-                  <a:pt x="4" y="2000"/>
+                  <a:pt x="10278" y="933"/>
+                  <a:pt x="10229" y="5994"/>
+                  <a:pt x="10239" y="6927"/>
+                </a:cubicBezTo>
+                <a:cubicBezTo>
+                  <a:pt x="10258" y="8573"/>
+                  <a:pt x="10278" y="7599"/>
+                  <a:pt x="10268" y="10000"/>
+                </a:cubicBezTo>
+                <a:lnTo>
+                  <a:pt x="268" y="10000"/>
+                </a:lnTo>
+                <a:cubicBezTo>
+                  <a:pt x="243" y="5790"/>
+                  <a:pt x="-788" y="4544"/>
+                  <a:pt x="1364" y="1835"/>
                 </a:cubicBezTo>
                 <a:close/>
               </a:path>
@@ -14077,6 +15693,13 @@
   <p:clrMapOvr>
     <a:masterClrMapping/>
   </p:clrMapOvr>
+  <p:timing>
+    <p:tnLst>
+      <p:par>
+        <p:cTn id="1" dur="indefinite" restart="never" nodeType="tmRoot"/>
+      </p:par>
+    </p:tnLst>
+  </p:timing>
 </p:sld>
 </file>
 
@@ -14153,7 +15776,10 @@
           <a:lstStyle/>
           <a:p>
             <a:pPr algn="ctr"/>
-            <a:endParaRPr lang="pl-PL"/>
+            <a:r>
+              <a:rPr lang="pl-PL"/>
+              <a:t>https://color.adobe.com/create</a:t>
+            </a:r>
           </a:p>
         </p:txBody>
       </p:sp>
@@ -14229,7 +15855,7 @@
           <p:nvPr/>
         </p:nvPicPr>
         <p:blipFill>
-          <a:blip r:embed="rId2">
+          <a:blip r:embed="rId3">
             <a:extLst>
               <a:ext uri="{28A0092B-C50C-407E-A947-70E740481C1C}">
                 <a14:useLocalDpi xmlns:a14="http://schemas.microsoft.com/office/drawing/2010/main" val="0"/>
@@ -14396,6 +16022,30 @@
           </p:txBody>
         </p:sp>
       </p:grpSp>
+      <p:pic>
+        <p:nvPicPr>
+          <p:cNvPr id="2" name="Picture 1"/>
+          <p:cNvPicPr>
+            <a:picLocks noChangeAspect="1"/>
+          </p:cNvPicPr>
+          <p:nvPr/>
+        </p:nvPicPr>
+        <p:blipFill>
+          <a:blip r:embed="rId4"/>
+          <a:stretch>
+            <a:fillRect/>
+          </a:stretch>
+        </p:blipFill>
+        <p:spPr>
+          <a:xfrm>
+            <a:off x="7141125" y="4407108"/>
+            <a:ext cx="3935465" cy="1225523"/>
+          </a:xfrm>
+          <a:prstGeom prst="rect">
+            <a:avLst/>
+          </a:prstGeom>
+        </p:spPr>
+      </p:pic>
     </p:spTree>
     <p:extLst>
       <p:ext uri="{BB962C8B-B14F-4D97-AF65-F5344CB8AC3E}">
@@ -14406,6 +16056,13 @@
   <p:clrMapOvr>
     <a:masterClrMapping/>
   </p:clrMapOvr>
+  <p:timing>
+    <p:tnLst>
+      <p:par>
+        <p:cTn id="1" dur="indefinite" restart="never" nodeType="tmRoot"/>
+      </p:par>
+    </p:tnLst>
+  </p:timing>
 </p:sld>
 </file>
 
